--- a/workshop/markdown/index.pptx
+++ b/workshop/markdown/index.pptx
@@ -29,6 +29,9 @@
     <p:sldId id="277" r:id="rId23"/>
     <p:sldId id="278" r:id="rId24"/>
     <p:sldId id="279" r:id="rId25"/>
+    <p:sldId id="280" r:id="rId26"/>
+    <p:sldId id="281" r:id="rId27"/>
+    <p:sldId id="282" r:id="rId28"/>
   </p:sldIdLst>
   <p:sldSz cx="9144000" cy="5143500" type="screen16x9"/>
   <p:notesSz cx="6858000" cy="9144000"/>
@@ -3180,7 +3183,7 @@
             <a:br/>
             <a:r>
               <a:rPr/>
-              <a:t>Alan CASTELLINO, Benjamin ABEL</a:t>
+              <a:t>Alan CASTELLINO (author), Benjamin ABEL (facilitator)</a:t>
             </a:r>
           </a:p>
         </p:txBody>
@@ -3227,7 +3230,7 @@
             </a:pPr>
             <a:r>
               <a:rPr/>
-              <a:t>The GUSC model in more details</a:t>
+              <a:t>Some concrete insights</a:t>
             </a:r>
           </a:p>
         </p:txBody>
@@ -3249,45 +3252,69 @@
           <a:p>
             <a:pPr lvl="0"/>
             <a:r>
-              <a:rPr b="1"/>
-              <a:t>Get</a:t>
-            </a:r>
-            <a:r>
-              <a:rPr/>
-              <a:t>: gather information from different sources</a:t>
-            </a:r>
-          </a:p>
-          <a:p>
-            <a:pPr lvl="0"/>
-            <a:r>
-              <a:rPr b="1"/>
-              <a:t>Understand</a:t>
-            </a:r>
-            <a:r>
-              <a:rPr/>
-              <a:t>: interpret, combine information into a (personal) whole</a:t>
-            </a:r>
-          </a:p>
-          <a:p>
-            <a:pPr lvl="0"/>
-            <a:r>
-              <a:rPr b="1"/>
-              <a:t>Share</a:t>
-            </a:r>
-            <a:r>
-              <a:rPr/>
-              <a:t>: produce artifacts to make the learning process visible</a:t>
-            </a:r>
-          </a:p>
-          <a:p>
-            <a:pPr lvl="0"/>
-            <a:r>
-              <a:rPr b="1"/>
-              <a:t>Connect</a:t>
-            </a:r>
-            <a:r>
-              <a:rPr/>
-              <a:t>: collaborate and exchange with others</a:t>
+              <a:rPr/>
+              <a:t>Find an equilibrium between </a:t>
+            </a:r>
+            <a:r>
+              <a:rPr i="1"/>
+              <a:t>content consumption</a:t>
+            </a:r>
+            <a:r>
+              <a:rPr/>
+              <a:t> and </a:t>
+            </a:r>
+            <a:r>
+              <a:rPr i="1"/>
+              <a:t>content creation</a:t>
+            </a:r>
+          </a:p>
+          <a:p>
+            <a:pPr lvl="0"/>
+            <a:r>
+              <a:rPr/>
+              <a:t>Move from </a:t>
+            </a:r>
+            <a:r>
+              <a:rPr i="1"/>
+              <a:t>note-taking</a:t>
+            </a:r>
+            <a:r>
+              <a:rPr/>
+              <a:t> to </a:t>
+            </a:r>
+            <a:r>
+              <a:rPr i="1"/>
+              <a:t>note-making</a:t>
+            </a:r>
+            <a:r>
+              <a:rPr/>
+              <a:t>: think about your notes, not just their content</a:t>
+            </a:r>
+          </a:p>
+          <a:p>
+            <a:pPr lvl="0"/>
+            <a:r>
+              <a:rPr/>
+              <a:t>Showcase your learning: </a:t>
+            </a:r>
+            <a:r>
+              <a:rPr i="1"/>
+              <a:t>learn in public</a:t>
+            </a:r>
+            <a:r>
+              <a:rPr/>
+              <a:t>, build a </a:t>
+            </a:r>
+            <a:r>
+              <a:rPr i="1"/>
+              <a:t>digital garden</a:t>
+            </a:r>
+          </a:p>
+          <a:p>
+            <a:pPr lvl="0"/>
+            <a:r>
+              <a:rPr/>
+              <a:t>View digital tools as opportunities to design new workflows</a:t>
             </a:r>
           </a:p>
         </p:txBody>
@@ -3324,7 +3351,12 @@
             <p:ph type="title"/>
           </p:nvPr>
         </p:nvSpPr>
-        <p:spPr/>
+        <p:spPr>
+          <a:xfrm>
+            <a:off x="457201" y="204787"/>
+            <a:ext cx="3008313" cy="871538"/>
+          </a:xfrm>
+        </p:spPr>
         <p:txBody>
           <a:bodyPr/>
           <a:lstStyle/>
@@ -3334,19 +3366,19 @@
             </a:pPr>
             <a:r>
               <a:rPr/>
-              <a:t>A plethora of tools</a:t>
-            </a:r>
-          </a:p>
-        </p:txBody>
-      </p:sp>
-      <p:sp>
-        <p:nvSpPr>
-          <p:cNvPr id="3" name="Content Placeholder 2"/>
-          <p:cNvSpPr>
-            <a:spLocks noGrp="1"/>
-          </p:cNvSpPr>
-          <p:nvPr>
-            <p:ph idx="1"/>
+              <a:t>The GUSC model</a:t>
+            </a:r>
+          </a:p>
+        </p:txBody>
+      </p:sp>
+      <p:sp>
+        <p:nvSpPr>
+          <p:cNvPr id="4" name="Text Placeholder 3"/>
+          <p:cNvSpPr>
+            <a:spLocks noGrp="1"/>
+          </p:cNvSpPr>
+          <p:nvPr>
+            <p:ph idx="2" sz="half" type="body"/>
           </p:nvPr>
         </p:nvSpPr>
         <p:spPr/>
@@ -3358,141 +3390,42 @@
               <a:buNone/>
             </a:pPr>
             <a:r>
-              <a:rPr>
-                <a:latin typeface="Courier"/>
-              </a:rPr>
-              <a:t>Notion</a:t>
-            </a:r>
-            <a:r>
-              <a:rPr/>
-              <a:t>, </a:t>
-            </a:r>
-            <a:r>
-              <a:rPr>
-                <a:latin typeface="Courier"/>
-              </a:rPr>
-              <a:t>Roam</a:t>
-            </a:r>
-            <a:r>
-              <a:rPr/>
-              <a:t>, </a:t>
-            </a:r>
-            <a:r>
-              <a:rPr>
-                <a:latin typeface="Courier"/>
-              </a:rPr>
-              <a:t>Tana</a:t>
-            </a:r>
-            <a:r>
-              <a:rPr/>
-              <a:t>, </a:t>
-            </a:r>
-            <a:r>
-              <a:rPr>
-                <a:latin typeface="Courier"/>
-              </a:rPr>
-              <a:t>Obsidian</a:t>
-            </a:r>
-            <a:r>
-              <a:rPr/>
-              <a:t>, </a:t>
-            </a:r>
-            <a:r>
-              <a:rPr>
-                <a:latin typeface="Courier"/>
-              </a:rPr>
-              <a:t>Logseq</a:t>
-            </a:r>
-            <a:r>
-              <a:rPr/>
-              <a:t>, </a:t>
-            </a:r>
-            <a:r>
-              <a:rPr>
-                <a:latin typeface="Courier"/>
-              </a:rPr>
-              <a:t>AnyType</a:t>
-            </a:r>
-            <a:r>
-              <a:rPr/>
-              <a:t>, </a:t>
-            </a:r>
-            <a:r>
-              <a:rPr>
-                <a:latin typeface="Courier"/>
-              </a:rPr>
-              <a:t>Affine</a:t>
-            </a:r>
-            <a:r>
-              <a:rPr/>
-              <a:t>, </a:t>
-            </a:r>
-            <a:r>
-              <a:rPr>
-                <a:latin typeface="Courier"/>
-              </a:rPr>
-              <a:t>TiddlyWiki</a:t>
-            </a:r>
-            <a:r>
-              <a:rPr/>
-              <a:t>, </a:t>
-            </a:r>
-            <a:r>
-              <a:rPr>
-                <a:latin typeface="Courier"/>
-              </a:rPr>
-              <a:t>Zettlr</a:t>
-            </a:r>
-            <a:r>
-              <a:rPr/>
-              <a:t>…</a:t>
-            </a:r>
-          </a:p>
-          <a:p>
-            <a:pPr lvl="0"/>
-            <a:r>
-              <a:rPr/>
-              <a:t>Local vs Web-aware vs Web-based</a:t>
-            </a:r>
-          </a:p>
-          <a:p>
-            <a:pPr lvl="0"/>
-            <a:r>
-              <a:rPr/>
-              <a:t>FOSS vs Freeware vs Paid</a:t>
-            </a:r>
-          </a:p>
-          <a:p>
-            <a:pPr lvl="0"/>
-            <a:r>
-              <a:rPr/>
-              <a:t>Specific ↔ Extensible ↔ Malleable</a:t>
-            </a:r>
-          </a:p>
-          <a:p>
-            <a:pPr lvl="0"/>
-            <a:r>
-              <a:rPr/>
-              <a:t>User-friendly?</a:t>
-            </a:r>
-          </a:p>
-          <a:p>
-            <a:pPr lvl="0" indent="0" marL="0">
-              <a:buNone/>
-            </a:pPr>
-            <a:r>
-              <a:rPr/>
-              <a:t>→ We will use </a:t>
-            </a:r>
-            <a:r>
-              <a:rPr>
-                <a:latin typeface="Courier"/>
-              </a:rPr>
-              <a:t>Zettlr</a:t>
-            </a:r>
-          </a:p>
-        </p:txBody>
-      </p:sp>
+              <a:rPr/>
+              <a:t>We will use the GUSC model. It can be seen as a concretization of the SECI model.</a:t>
+            </a:r>
+          </a:p>
+        </p:txBody>
+      </p:sp>
+      <p:pic>
+        <p:nvPicPr>
+          <p:cNvPr descr="gusc.png" id="0" name="Picture 1"/>
+          <p:cNvPicPr>
+            <a:picLocks noGrp="1" noChangeAspect="1"/>
+          </p:cNvPicPr>
+          <p:nvPr/>
+        </p:nvPicPr>
+        <p:blipFill>
+          <a:blip r:embed="rId2"/>
+          <a:stretch>
+            <a:fillRect/>
+          </a:stretch>
+        </p:blipFill>
+        <p:spPr bwMode="auto">
+          <a:xfrm>
+            <a:off x="3568700" y="203200"/>
+            <a:ext cx="5092700" cy="4381500"/>
+          </a:xfrm>
+          <a:prstGeom prst="rect">
+            <a:avLst/>
+          </a:prstGeom>
+          <a:noFill/>
+          <a:ln w="9525">
+            <a:noFill/>
+            <a:headEnd/>
+            <a:tailEnd/>
+          </a:ln>
+        </p:spPr>
+      </p:pic>
     </p:spTree>
   </p:cSld>
 </p:sld>
@@ -3517,12 +3450,12 @@
       </p:grpSpPr>
       <p:sp>
         <p:nvSpPr>
-          <p:cNvPr id="2" name="Title 1"/>
-          <p:cNvSpPr>
-            <a:spLocks noGrp="1"/>
-          </p:cNvSpPr>
-          <p:nvPr>
-            <p:ph type="title"/>
+          <p:cNvPr id="3" name="Content Placeholder 2"/>
+          <p:cNvSpPr>
+            <a:spLocks noGrp="1"/>
+          </p:cNvSpPr>
+          <p:nvPr>
+            <p:ph idx="1"/>
           </p:nvPr>
         </p:nvSpPr>
         <p:spPr/>
@@ -3535,59 +3468,7 @@
             </a:pPr>
             <a:r>
               <a:rPr/>
-              <a:t>Advantages of plain text editing</a:t>
-            </a:r>
-          </a:p>
-        </p:txBody>
-      </p:sp>
-      <p:sp>
-        <p:nvSpPr>
-          <p:cNvPr id="3" name="Content Placeholder 2"/>
-          <p:cNvSpPr>
-            <a:spLocks noGrp="1"/>
-          </p:cNvSpPr>
-          <p:nvPr>
-            <p:ph idx="1"/>
-          </p:nvPr>
-        </p:nvSpPr>
-        <p:spPr/>
-        <p:txBody>
-          <a:bodyPr/>
-          <a:lstStyle/>
-          <a:p>
-            <a:pPr lvl="0"/>
-            <a:r>
-              <a:rPr/>
-              <a:t>Lightweight: you can work with just a simple text editor. You can store your files anywhere.</a:t>
-            </a:r>
-          </a:p>
-          <a:p>
-            <a:pPr lvl="0"/>
-            <a:r>
-              <a:rPr/>
-              <a:t>Easily readable and writable: a whole range of apps work with plain text. It is also easy to manipulate programmatically.</a:t>
-            </a:r>
-          </a:p>
-          <a:p>
-            <a:pPr lvl="0"/>
-            <a:r>
-              <a:rPr/>
-              <a:t>No lock-in: you can use your text files in different apps for different purposes. You can switch to a new app that better fits your needs seamlessly.</a:t>
-            </a:r>
-          </a:p>
-          <a:p>
-            <a:pPr lvl="0"/>
-            <a:r>
-              <a:rPr/>
-              <a:t>Teaches you about computing and the </a:t>
-            </a:r>
-            <a:r>
-              <a:rPr i="1"/>
-              <a:t>hacker mindset</a:t>
-            </a:r>
-            <a:r>
-              <a:rPr/>
-              <a:t> in a hands-on way.</a:t>
+              <a:t>→ A simple yet powerful model. We need to associate concrete actions to each phase.</a:t>
             </a:r>
           </a:p>
         </p:txBody>
@@ -3624,12 +3505,7 @@
             <p:ph type="title"/>
           </p:nvPr>
         </p:nvSpPr>
-        <p:spPr>
-          <a:xfrm>
-            <a:off x="722313" y="3305176"/>
-            <a:ext cx="7772400" cy="1021556"/>
-          </a:xfrm>
-        </p:spPr>
+        <p:spPr/>
         <p:txBody>
           <a:bodyPr/>
           <a:lstStyle/>
@@ -3639,7 +3515,67 @@
             </a:pPr>
             <a:r>
               <a:rPr/>
-              <a:t>How?</a:t>
+              <a:t>The GUSC model in more details</a:t>
+            </a:r>
+          </a:p>
+        </p:txBody>
+      </p:sp>
+      <p:sp>
+        <p:nvSpPr>
+          <p:cNvPr id="3" name="Content Placeholder 2"/>
+          <p:cNvSpPr>
+            <a:spLocks noGrp="1"/>
+          </p:cNvSpPr>
+          <p:nvPr>
+            <p:ph idx="1"/>
+          </p:nvPr>
+        </p:nvSpPr>
+        <p:spPr/>
+        <p:txBody>
+          <a:bodyPr/>
+          <a:lstStyle/>
+          <a:p>
+            <a:pPr lvl="0"/>
+            <a:r>
+              <a:rPr b="1"/>
+              <a:t>Get</a:t>
+            </a:r>
+            <a:r>
+              <a:rPr/>
+              <a:t>: gather information from different sources</a:t>
+            </a:r>
+          </a:p>
+          <a:p>
+            <a:pPr lvl="0"/>
+            <a:r>
+              <a:rPr b="1"/>
+              <a:t>Understand</a:t>
+            </a:r>
+            <a:r>
+              <a:rPr/>
+              <a:t>: interpret, combine information into a (personal) whole</a:t>
+            </a:r>
+          </a:p>
+          <a:p>
+            <a:pPr lvl="0"/>
+            <a:r>
+              <a:rPr b="1"/>
+              <a:t>Share</a:t>
+            </a:r>
+            <a:r>
+              <a:rPr/>
+              <a:t>: produce artifacts to make the learning process visible</a:t>
+            </a:r>
+          </a:p>
+          <a:p>
+            <a:pPr lvl="0"/>
+            <a:r>
+              <a:rPr b="1"/>
+              <a:t>Connect</a:t>
+            </a:r>
+            <a:r>
+              <a:rPr/>
+              <a:t>: collaborate and exchange with others</a:t>
             </a:r>
           </a:p>
         </p:txBody>
@@ -3686,7 +3622,7 @@
             </a:pPr>
             <a:r>
               <a:rPr/>
-              <a:t>Goal</a:t>
+              <a:t>A plethora of tools</a:t>
             </a:r>
           </a:p>
         </p:txBody>
@@ -3710,8 +3646,84 @@
               <a:buNone/>
             </a:pPr>
             <a:r>
-              <a:rPr/>
-              <a:t>→ We will see how </a:t>
+              <a:rPr>
+                <a:latin typeface="Courier"/>
+              </a:rPr>
+              <a:t>Notion</a:t>
+            </a:r>
+            <a:r>
+              <a:rPr/>
+              <a:t>, </a:t>
+            </a:r>
+            <a:r>
+              <a:rPr>
+                <a:latin typeface="Courier"/>
+              </a:rPr>
+              <a:t>Roam</a:t>
+            </a:r>
+            <a:r>
+              <a:rPr/>
+              <a:t>, </a:t>
+            </a:r>
+            <a:r>
+              <a:rPr>
+                <a:latin typeface="Courier"/>
+              </a:rPr>
+              <a:t>Tana</a:t>
+            </a:r>
+            <a:r>
+              <a:rPr/>
+              <a:t>, </a:t>
+            </a:r>
+            <a:r>
+              <a:rPr>
+                <a:latin typeface="Courier"/>
+              </a:rPr>
+              <a:t>Obsidian</a:t>
+            </a:r>
+            <a:r>
+              <a:rPr/>
+              <a:t>, </a:t>
+            </a:r>
+            <a:r>
+              <a:rPr>
+                <a:latin typeface="Courier"/>
+              </a:rPr>
+              <a:t>Logseq</a:t>
+            </a:r>
+            <a:r>
+              <a:rPr/>
+              <a:t>, </a:t>
+            </a:r>
+            <a:r>
+              <a:rPr>
+                <a:latin typeface="Courier"/>
+              </a:rPr>
+              <a:t>AnyType</a:t>
+            </a:r>
+            <a:r>
+              <a:rPr/>
+              <a:t>, </a:t>
+            </a:r>
+            <a:r>
+              <a:rPr>
+                <a:latin typeface="Courier"/>
+              </a:rPr>
+              <a:t>Affine</a:t>
+            </a:r>
+            <a:r>
+              <a:rPr/>
+              <a:t>, </a:t>
+            </a:r>
+            <a:r>
+              <a:rPr>
+                <a:latin typeface="Courier"/>
+              </a:rPr>
+              <a:t>TiddlyWiki</a:t>
+            </a:r>
+            <a:r>
+              <a:rPr/>
+              <a:t>, </a:t>
             </a:r>
             <a:r>
               <a:rPr>
@@ -3721,94 +3733,50 @@
             </a:r>
             <a:r>
               <a:rPr/>
-              <a:t> can help us implement strategies for the first 3 steps of the GUSC model (</a:t>
-            </a:r>
-            <a:r>
-              <a:rPr b="1"/>
-              <a:t>Get</a:t>
-            </a:r>
-            <a:r>
-              <a:rPr/>
-              <a:t>, </a:t>
-            </a:r>
-            <a:r>
-              <a:rPr b="1"/>
-              <a:t>Understand</a:t>
-            </a:r>
-            <a:r>
-              <a:rPr/>
-              <a:t>, </a:t>
-            </a:r>
-            <a:r>
-              <a:rPr b="1"/>
-              <a:t>Share</a:t>
-            </a:r>
-            <a:r>
-              <a:rPr/>
-              <a:t>).</a:t>
+              <a:t>…</a:t>
+            </a:r>
+          </a:p>
+          <a:p>
+            <a:pPr lvl="0"/>
+            <a:r>
+              <a:rPr/>
+              <a:t>Local vs Web-aware vs Web-based</a:t>
+            </a:r>
+          </a:p>
+          <a:p>
+            <a:pPr lvl="0"/>
+            <a:r>
+              <a:rPr/>
+              <a:t>FOSS vs Freeware vs Paid</a:t>
+            </a:r>
+          </a:p>
+          <a:p>
+            <a:pPr lvl="0"/>
+            <a:r>
+              <a:rPr/>
+              <a:t>Specific ↔ Extensible ↔ Malleable</a:t>
+            </a:r>
+          </a:p>
+          <a:p>
+            <a:pPr lvl="0"/>
+            <a:r>
+              <a:rPr/>
+              <a:t>User-friendly?</a:t>
             </a:r>
           </a:p>
           <a:p>
             <a:pPr lvl="0" indent="0" marL="0">
               <a:buNone/>
             </a:pPr>
+            <a:r>
+              <a:rPr/>
+              <a:t>→ We will use </a:t>
+            </a:r>
             <a:r>
               <a:rPr>
                 <a:latin typeface="Courier"/>
               </a:rPr>
               <a:t>Zettlr</a:t>
-            </a:r>
-            <a:r>
-              <a:rPr/>
-              <a:t> is:</a:t>
-            </a:r>
-          </a:p>
-          <a:p>
-            <a:pPr lvl="0"/>
-            <a:r>
-              <a:rPr/>
-              <a:t>Free and Open-Source</a:t>
-            </a:r>
-          </a:p>
-          <a:p>
-            <a:pPr lvl="0"/>
-            <a:r>
-              <a:rPr/>
-              <a:t>Web-aware</a:t>
-            </a:r>
-          </a:p>
-          <a:p>
-            <a:pPr lvl="0"/>
-            <a:r>
-              <a:rPr/>
-              <a:t>Supported by a community (</a:t>
-            </a:r>
-            <a:r>
-              <a:rPr>
-                <a:latin typeface="Courier"/>
-              </a:rPr>
-              <a:t>Discord</a:t>
-            </a:r>
-            <a:r>
-              <a:rPr/>
-              <a:t>, </a:t>
-            </a:r>
-            <a:r>
-              <a:rPr>
-                <a:latin typeface="Courier"/>
-              </a:rPr>
-              <a:t>Reddit</a:t>
-            </a:r>
-            <a:r>
-              <a:rPr/>
-              <a:t>)</a:t>
-            </a:r>
-          </a:p>
-          <a:p>
-            <a:pPr lvl="0"/>
-            <a:r>
-              <a:rPr/>
-              <a:t>Specific but plays nicely with other tools (bibliography, export)</a:t>
             </a:r>
           </a:p>
         </p:txBody>
@@ -3819,6 +3787,326 @@
 </file>
 
 <file path=ppt/slides/slide15.xml><?xml version="1.0" encoding="utf-8"?>
+<p:sld xmlns:a="http://schemas.openxmlformats.org/drawingml/2006/main" xmlns:r="http://schemas.openxmlformats.org/officeDocument/2006/relationships" xmlns:p="http://schemas.openxmlformats.org/presentationml/2006/main">
+  <p:cSld>
+    <p:spTree>
+      <p:nvGrpSpPr>
+        <p:cNvPr id="1" name=""/>
+        <p:cNvGrpSpPr/>
+        <p:nvPr/>
+      </p:nvGrpSpPr>
+      <p:grpSpPr>
+        <a:xfrm>
+          <a:off x="0" y="0"/>
+          <a:ext cx="0" cy="0"/>
+          <a:chOff x="0" y="0"/>
+          <a:chExt cx="0" cy="0"/>
+        </a:xfrm>
+      </p:grpSpPr>
+      <p:sp>
+        <p:nvSpPr>
+          <p:cNvPr id="2" name="Title 1"/>
+          <p:cNvSpPr>
+            <a:spLocks noGrp="1"/>
+          </p:cNvSpPr>
+          <p:nvPr>
+            <p:ph type="title"/>
+          </p:nvPr>
+        </p:nvSpPr>
+        <p:spPr/>
+        <p:txBody>
+          <a:bodyPr/>
+          <a:lstStyle/>
+          <a:p>
+            <a:pPr lvl="0" indent="0" marL="0">
+              <a:buNone/>
+            </a:pPr>
+            <a:r>
+              <a:rPr/>
+              <a:t>Advantages of plain text editing</a:t>
+            </a:r>
+          </a:p>
+        </p:txBody>
+      </p:sp>
+      <p:sp>
+        <p:nvSpPr>
+          <p:cNvPr id="3" name="Content Placeholder 2"/>
+          <p:cNvSpPr>
+            <a:spLocks noGrp="1"/>
+          </p:cNvSpPr>
+          <p:nvPr>
+            <p:ph idx="1"/>
+          </p:nvPr>
+        </p:nvSpPr>
+        <p:spPr/>
+        <p:txBody>
+          <a:bodyPr/>
+          <a:lstStyle/>
+          <a:p>
+            <a:pPr lvl="0"/>
+            <a:r>
+              <a:rPr/>
+              <a:t>Lightweight: you can work with just a simple text editor. You can store your files anywhere.</a:t>
+            </a:r>
+          </a:p>
+          <a:p>
+            <a:pPr lvl="0"/>
+            <a:r>
+              <a:rPr/>
+              <a:t>Easily readable and writable: a whole range of apps work with plain text. It is also easy to manipulate programmatically.</a:t>
+            </a:r>
+          </a:p>
+          <a:p>
+            <a:pPr lvl="0"/>
+            <a:r>
+              <a:rPr/>
+              <a:t>No lock-in: you can use your text files in different apps for different purposes. You can switch to a new app that better fits your needs seamlessly.</a:t>
+            </a:r>
+          </a:p>
+          <a:p>
+            <a:pPr lvl="0"/>
+            <a:r>
+              <a:rPr/>
+              <a:t>Teaches you about computing and the </a:t>
+            </a:r>
+            <a:r>
+              <a:rPr i="1"/>
+              <a:t>hacker mindset</a:t>
+            </a:r>
+            <a:r>
+              <a:rPr/>
+              <a:t> in a hands-on way.</a:t>
+            </a:r>
+          </a:p>
+        </p:txBody>
+      </p:sp>
+    </p:spTree>
+  </p:cSld>
+</p:sld>
+</file>
+
+<file path=ppt/slides/slide16.xml><?xml version="1.0" encoding="utf-8"?>
+<p:sld xmlns:a="http://schemas.openxmlformats.org/drawingml/2006/main" xmlns:r="http://schemas.openxmlformats.org/officeDocument/2006/relationships" xmlns:p="http://schemas.openxmlformats.org/presentationml/2006/main">
+  <p:cSld>
+    <p:spTree>
+      <p:nvGrpSpPr>
+        <p:cNvPr id="1" name=""/>
+        <p:cNvGrpSpPr/>
+        <p:nvPr/>
+      </p:nvGrpSpPr>
+      <p:grpSpPr>
+        <a:xfrm>
+          <a:off x="0" y="0"/>
+          <a:ext cx="0" cy="0"/>
+          <a:chOff x="0" y="0"/>
+          <a:chExt cx="0" cy="0"/>
+        </a:xfrm>
+      </p:grpSpPr>
+      <p:sp>
+        <p:nvSpPr>
+          <p:cNvPr id="2" name="Title 1"/>
+          <p:cNvSpPr>
+            <a:spLocks noGrp="1"/>
+          </p:cNvSpPr>
+          <p:nvPr>
+            <p:ph type="title"/>
+          </p:nvPr>
+        </p:nvSpPr>
+        <p:spPr>
+          <a:xfrm>
+            <a:off x="722313" y="3305176"/>
+            <a:ext cx="7772400" cy="1021556"/>
+          </a:xfrm>
+        </p:spPr>
+        <p:txBody>
+          <a:bodyPr/>
+          <a:lstStyle/>
+          <a:p>
+            <a:pPr lvl="0" indent="0" marL="0">
+              <a:buNone/>
+            </a:pPr>
+            <a:r>
+              <a:rPr/>
+              <a:t>How?</a:t>
+            </a:r>
+          </a:p>
+        </p:txBody>
+      </p:sp>
+    </p:spTree>
+  </p:cSld>
+</p:sld>
+</file>
+
+<file path=ppt/slides/slide17.xml><?xml version="1.0" encoding="utf-8"?>
+<p:sld xmlns:a="http://schemas.openxmlformats.org/drawingml/2006/main" xmlns:r="http://schemas.openxmlformats.org/officeDocument/2006/relationships" xmlns:p="http://schemas.openxmlformats.org/presentationml/2006/main">
+  <p:cSld>
+    <p:spTree>
+      <p:nvGrpSpPr>
+        <p:cNvPr id="1" name=""/>
+        <p:cNvGrpSpPr/>
+        <p:nvPr/>
+      </p:nvGrpSpPr>
+      <p:grpSpPr>
+        <a:xfrm>
+          <a:off x="0" y="0"/>
+          <a:ext cx="0" cy="0"/>
+          <a:chOff x="0" y="0"/>
+          <a:chExt cx="0" cy="0"/>
+        </a:xfrm>
+      </p:grpSpPr>
+      <p:sp>
+        <p:nvSpPr>
+          <p:cNvPr id="2" name="Title 1"/>
+          <p:cNvSpPr>
+            <a:spLocks noGrp="1"/>
+          </p:cNvSpPr>
+          <p:nvPr>
+            <p:ph type="title"/>
+          </p:nvPr>
+        </p:nvSpPr>
+        <p:spPr/>
+        <p:txBody>
+          <a:bodyPr/>
+          <a:lstStyle/>
+          <a:p>
+            <a:pPr lvl="0" indent="0" marL="0">
+              <a:buNone/>
+            </a:pPr>
+            <a:r>
+              <a:rPr/>
+              <a:t>Goal</a:t>
+            </a:r>
+          </a:p>
+        </p:txBody>
+      </p:sp>
+      <p:sp>
+        <p:nvSpPr>
+          <p:cNvPr id="3" name="Content Placeholder 2"/>
+          <p:cNvSpPr>
+            <a:spLocks noGrp="1"/>
+          </p:cNvSpPr>
+          <p:nvPr>
+            <p:ph idx="1"/>
+          </p:nvPr>
+        </p:nvSpPr>
+        <p:spPr/>
+        <p:txBody>
+          <a:bodyPr/>
+          <a:lstStyle/>
+          <a:p>
+            <a:pPr lvl="0" indent="0" marL="0">
+              <a:buNone/>
+            </a:pPr>
+            <a:r>
+              <a:rPr/>
+              <a:t>→ We will see how </a:t>
+            </a:r>
+            <a:r>
+              <a:rPr>
+                <a:latin typeface="Courier"/>
+              </a:rPr>
+              <a:t>Zettlr</a:t>
+            </a:r>
+            <a:r>
+              <a:rPr/>
+              <a:t> can help us implement strategies for the first 3 steps of the GUSC model (</a:t>
+            </a:r>
+            <a:r>
+              <a:rPr b="1"/>
+              <a:t>Get</a:t>
+            </a:r>
+            <a:r>
+              <a:rPr/>
+              <a:t>, </a:t>
+            </a:r>
+            <a:r>
+              <a:rPr b="1"/>
+              <a:t>Understand</a:t>
+            </a:r>
+            <a:r>
+              <a:rPr/>
+              <a:t>, </a:t>
+            </a:r>
+            <a:r>
+              <a:rPr b="1"/>
+              <a:t>Share</a:t>
+            </a:r>
+            <a:r>
+              <a:rPr/>
+              <a:t>).</a:t>
+            </a:r>
+          </a:p>
+          <a:p>
+            <a:pPr lvl="0" indent="0" marL="0">
+              <a:buNone/>
+            </a:pPr>
+            <a:r>
+              <a:rPr>
+                <a:latin typeface="Courier"/>
+              </a:rPr>
+              <a:t>Zettlr</a:t>
+            </a:r>
+            <a:r>
+              <a:rPr/>
+              <a:t> is:</a:t>
+            </a:r>
+          </a:p>
+          <a:p>
+            <a:pPr lvl="0"/>
+            <a:r>
+              <a:rPr/>
+              <a:t>Free and Open-Source</a:t>
+            </a:r>
+          </a:p>
+          <a:p>
+            <a:pPr lvl="0"/>
+            <a:r>
+              <a:rPr/>
+              <a:t>Web-aware</a:t>
+            </a:r>
+          </a:p>
+          <a:p>
+            <a:pPr lvl="0"/>
+            <a:r>
+              <a:rPr/>
+              <a:t>Supported by a community (</a:t>
+            </a:r>
+            <a:r>
+              <a:rPr>
+                <a:latin typeface="Courier"/>
+              </a:rPr>
+              <a:t>Discord</a:t>
+            </a:r>
+            <a:r>
+              <a:rPr/>
+              <a:t>, </a:t>
+            </a:r>
+            <a:r>
+              <a:rPr>
+                <a:latin typeface="Courier"/>
+              </a:rPr>
+              <a:t>Reddit</a:t>
+            </a:r>
+            <a:r>
+              <a:rPr/>
+              <a:t>)</a:t>
+            </a:r>
+          </a:p>
+          <a:p>
+            <a:pPr lvl="0"/>
+            <a:r>
+              <a:rPr/>
+              <a:t>Specific but plays nicely with other tools (bibliography, export)</a:t>
+            </a:r>
+          </a:p>
+        </p:txBody>
+      </p:sp>
+    </p:spTree>
+  </p:cSld>
+</p:sld>
+</file>
+
+<file path=ppt/slides/slide18.xml><?xml version="1.0" encoding="utf-8"?>
 <p:sld xmlns:a="http://schemas.openxmlformats.org/drawingml/2006/main" xmlns:r="http://schemas.openxmlformats.org/officeDocument/2006/relationships" xmlns:p="http://schemas.openxmlformats.org/presentationml/2006/main">
   <p:cSld>
     <p:spTree>
@@ -3901,418 +4189,6 @@
 </p:sld>
 </file>
 
-<file path=ppt/slides/slide16.xml><?xml version="1.0" encoding="utf-8"?>
-<p:sld xmlns:a="http://schemas.openxmlformats.org/drawingml/2006/main" xmlns:r="http://schemas.openxmlformats.org/officeDocument/2006/relationships" xmlns:p="http://schemas.openxmlformats.org/presentationml/2006/main">
-  <p:cSld>
-    <p:spTree>
-      <p:nvGrpSpPr>
-        <p:cNvPr id="1" name=""/>
-        <p:cNvGrpSpPr/>
-        <p:nvPr/>
-      </p:nvGrpSpPr>
-      <p:grpSpPr>
-        <a:xfrm>
-          <a:off x="0" y="0"/>
-          <a:ext cx="0" cy="0"/>
-          <a:chOff x="0" y="0"/>
-          <a:chExt cx="0" cy="0"/>
-        </a:xfrm>
-      </p:grpSpPr>
-      <p:sp>
-        <p:nvSpPr>
-          <p:cNvPr id="2" name="Title 1"/>
-          <p:cNvSpPr>
-            <a:spLocks noGrp="1"/>
-          </p:cNvSpPr>
-          <p:nvPr>
-            <p:ph type="title"/>
-          </p:nvPr>
-        </p:nvSpPr>
-        <p:spPr/>
-        <p:txBody>
-          <a:bodyPr/>
-          <a:lstStyle/>
-          <a:p>
-            <a:pPr lvl="0" indent="0" marL="0">
-              <a:buNone/>
-            </a:pPr>
-            <a:r>
-              <a:rPr/>
-              <a:t>Install </a:t>
-            </a:r>
-            <a:r>
-              <a:rPr>
-                <a:latin typeface="Courier"/>
-              </a:rPr>
-              <a:t>Zettlr</a:t>
-            </a:r>
-          </a:p>
-        </p:txBody>
-      </p:sp>
-      <p:sp>
-        <p:nvSpPr>
-          <p:cNvPr id="3" name="Content Placeholder 2"/>
-          <p:cNvSpPr>
-            <a:spLocks noGrp="1"/>
-          </p:cNvSpPr>
-          <p:nvPr>
-            <p:ph idx="1"/>
-          </p:nvPr>
-        </p:nvSpPr>
-        <p:spPr/>
-        <p:txBody>
-          <a:bodyPr/>
-          <a:lstStyle/>
-          <a:p>
-            <a:pPr lvl="0"/>
-            <a:r>
-              <a:rPr/>
-              <a:t>Simply go to the official website: </a:t>
-            </a:r>
-            <a:r>
-              <a:rPr>
-                <a:hlinkClick r:id="rId2"/>
-              </a:rPr>
-              <a:t>zettlr.com/download</a:t>
-            </a:r>
-          </a:p>
-          <a:p>
-            <a:pPr lvl="0"/>
-            <a:r>
-              <a:rPr/>
-              <a:t>Install and open it.</a:t>
-            </a:r>
-          </a:p>
-          <a:p>
-            <a:pPr lvl="0"/>
-            <a:r>
-              <a:rPr/>
-              <a:t>If you write academic articles, you will need </a:t>
-            </a:r>
-            <a:r>
-              <a:rPr>
-                <a:latin typeface="Courier"/>
-              </a:rPr>
-              <a:t>LaTeX</a:t>
-            </a:r>
-            <a:r>
-              <a:rPr/>
-              <a:t> at some point. Simply use </a:t>
-            </a:r>
-            <a:r>
-              <a:rPr>
-                <a:latin typeface="Courier"/>
-              </a:rPr>
-              <a:t>MikTeX</a:t>
-            </a:r>
-            <a:r>
-              <a:rPr/>
-              <a:t> (this is not the point today).</a:t>
-            </a:r>
-          </a:p>
-        </p:txBody>
-      </p:sp>
-    </p:spTree>
-  </p:cSld>
-</p:sld>
-</file>
-
-<file path=ppt/slides/slide17.xml><?xml version="1.0" encoding="utf-8"?>
-<p:sld xmlns:a="http://schemas.openxmlformats.org/drawingml/2006/main" xmlns:r="http://schemas.openxmlformats.org/officeDocument/2006/relationships" xmlns:p="http://schemas.openxmlformats.org/presentationml/2006/main">
-  <p:cSld>
-    <p:spTree>
-      <p:nvGrpSpPr>
-        <p:cNvPr id="1" name=""/>
-        <p:cNvGrpSpPr/>
-        <p:nvPr/>
-      </p:nvGrpSpPr>
-      <p:grpSpPr>
-        <a:xfrm>
-          <a:off x="0" y="0"/>
-          <a:ext cx="0" cy="0"/>
-          <a:chOff x="0" y="0"/>
-          <a:chExt cx="0" cy="0"/>
-        </a:xfrm>
-      </p:grpSpPr>
-      <p:sp>
-        <p:nvSpPr>
-          <p:cNvPr id="2" name="Title 1"/>
-          <p:cNvSpPr>
-            <a:spLocks noGrp="1"/>
-          </p:cNvSpPr>
-          <p:nvPr>
-            <p:ph type="title"/>
-          </p:nvPr>
-        </p:nvSpPr>
-        <p:spPr/>
-        <p:txBody>
-          <a:bodyPr/>
-          <a:lstStyle/>
-          <a:p>
-            <a:pPr lvl="0" indent="0" marL="0">
-              <a:buNone/>
-            </a:pPr>
-            <a:r>
-              <a:rPr>
-                <a:latin typeface="Courier"/>
-              </a:rPr>
-              <a:t>Markdown</a:t>
-            </a:r>
-            <a:r>
-              <a:rPr/>
-              <a:t> syntax</a:t>
-            </a:r>
-          </a:p>
-        </p:txBody>
-      </p:sp>
-      <p:sp>
-        <p:nvSpPr>
-          <p:cNvPr id="3" name="Content Placeholder 2"/>
-          <p:cNvSpPr>
-            <a:spLocks noGrp="1"/>
-          </p:cNvSpPr>
-          <p:nvPr>
-            <p:ph idx="1"/>
-          </p:nvPr>
-        </p:nvSpPr>
-        <p:spPr/>
-        <p:txBody>
-          <a:bodyPr/>
-          <a:lstStyle/>
-          <a:p>
-            <a:pPr lvl="0"/>
-            <a:r>
-              <a:rPr>
-                <a:latin typeface="Courier"/>
-              </a:rPr>
-              <a:t># Section heading</a:t>
-            </a:r>
-          </a:p>
-          <a:p>
-            <a:pPr lvl="1" indent="0" marL="342900">
-              <a:buNone/>
-            </a:pPr>
-            <a:r>
-              <a:rPr>
-                <a:latin typeface="Courier"/>
-              </a:rPr>
-              <a:t>## Subsection heading</a:t>
-            </a:r>
-            <a:r>
-              <a:rPr/>
-              <a:t>…</a:t>
-            </a:r>
-          </a:p>
-          <a:p>
-            <a:pPr lvl="0"/>
-            <a:r>
-              <a:rPr/>
-              <a:t>This is </a:t>
-            </a:r>
-            <a:r>
-              <a:rPr>
-                <a:latin typeface="Courier"/>
-              </a:rPr>
-              <a:t>_emphasized_</a:t>
-            </a:r>
-            <a:r>
-              <a:rPr/>
-              <a:t> and this is </a:t>
-            </a:r>
-            <a:r>
-              <a:rPr>
-                <a:latin typeface="Courier"/>
-              </a:rPr>
-              <a:t>**strong**</a:t>
-            </a:r>
-          </a:p>
-          <a:p>
-            <a:pPr lvl="0"/>
-            <a:r>
-              <a:rPr/>
-              <a:t>This is a </a:t>
-            </a:r>
-            <a:r>
-              <a:rPr>
-                <a:latin typeface="Courier"/>
-              </a:rPr>
-              <a:t>- List item</a:t>
-            </a:r>
-          </a:p>
-          <a:p>
-            <a:pPr lvl="0"/>
-            <a:r>
-              <a:rPr/>
-              <a:t>This is a </a:t>
-            </a:r>
-            <a:r>
-              <a:rPr>
-                <a:latin typeface="Courier"/>
-              </a:rPr>
-              <a:t>1. Numberred item</a:t>
-            </a:r>
-          </a:p>
-          <a:p>
-            <a:pPr lvl="0"/>
-            <a:r>
-              <a:rPr/>
-              <a:t>This is a </a:t>
-            </a:r>
-            <a:r>
-              <a:rPr>
-                <a:latin typeface="Courier"/>
-              </a:rPr>
-              <a:t>[link](https://zettlr.com)</a:t>
-            </a:r>
-          </a:p>
-          <a:p>
-            <a:pPr lvl="0"/>
-            <a:r>
-              <a:rPr/>
-              <a:t>This is an </a:t>
-            </a:r>
-            <a:r>
-              <a:rPr>
-                <a:latin typeface="Courier"/>
-              </a:rPr>
-              <a:t>![cute_cat.png](image)</a:t>
-            </a:r>
-          </a:p>
-          <a:p>
-            <a:pPr lvl="0"/>
-            <a:r>
-              <a:rPr>
-                <a:latin typeface="Courier"/>
-              </a:rPr>
-              <a:t>YAML</a:t>
-            </a:r>
-            <a:r>
-              <a:rPr/>
-              <a:t>: metadata and options</a:t>
-            </a:r>
-          </a:p>
-        </p:txBody>
-      </p:sp>
-    </p:spTree>
-  </p:cSld>
-</p:sld>
-</file>
-
-<file path=ppt/slides/slide18.xml><?xml version="1.0" encoding="utf-8"?>
-<p:sld xmlns:a="http://schemas.openxmlformats.org/drawingml/2006/main" xmlns:r="http://schemas.openxmlformats.org/officeDocument/2006/relationships" xmlns:p="http://schemas.openxmlformats.org/presentationml/2006/main">
-  <p:cSld>
-    <p:spTree>
-      <p:nvGrpSpPr>
-        <p:cNvPr id="1" name=""/>
-        <p:cNvGrpSpPr/>
-        <p:nvPr/>
-      </p:nvGrpSpPr>
-      <p:grpSpPr>
-        <a:xfrm>
-          <a:off x="0" y="0"/>
-          <a:ext cx="0" cy="0"/>
-          <a:chOff x="0" y="0"/>
-          <a:chExt cx="0" cy="0"/>
-        </a:xfrm>
-      </p:grpSpPr>
-      <p:sp>
-        <p:nvSpPr>
-          <p:cNvPr id="2" name="Title 1"/>
-          <p:cNvSpPr>
-            <a:spLocks noGrp="1"/>
-          </p:cNvSpPr>
-          <p:nvPr>
-            <p:ph type="title"/>
-          </p:nvPr>
-        </p:nvSpPr>
-        <p:spPr/>
-        <p:txBody>
-          <a:bodyPr/>
-          <a:lstStyle/>
-          <a:p>
-            <a:pPr lvl="0" indent="0" marL="0">
-              <a:buNone/>
-            </a:pPr>
-            <a:r>
-              <a:rPr/>
-              <a:t>Basics and Exporting</a:t>
-            </a:r>
-          </a:p>
-        </p:txBody>
-      </p:sp>
-      <p:sp>
-        <p:nvSpPr>
-          <p:cNvPr id="3" name="Content Placeholder 2"/>
-          <p:cNvSpPr>
-            <a:spLocks noGrp="1"/>
-          </p:cNvSpPr>
-          <p:nvPr>
-            <p:ph idx="1"/>
-          </p:nvPr>
-        </p:nvSpPr>
-        <p:spPr/>
-        <p:txBody>
-          <a:bodyPr/>
-          <a:lstStyle/>
-          <a:p>
-            <a:pPr lvl="0"/>
-            <a:r>
-              <a:rPr/>
-              <a:t>Create a new file</a:t>
-            </a:r>
-          </a:p>
-          <a:p>
-            <a:pPr lvl="0"/>
-            <a:r>
-              <a:rPr/>
-              <a:t>Fill it up with some headings and content.</a:t>
-            </a:r>
-          </a:p>
-          <a:p>
-            <a:pPr lvl="0"/>
-            <a:r>
-              <a:rPr/>
-              <a:t>You have some shortcut icons (e.g. links and images)</a:t>
-            </a:r>
-          </a:p>
-          <a:p>
-            <a:pPr lvl="0"/>
-            <a:r>
-              <a:rPr/>
-              <a:t>Left pane: files explorer</a:t>
-            </a:r>
-          </a:p>
-          <a:p>
-            <a:pPr lvl="0"/>
-            <a:r>
-              <a:rPr/>
-              <a:t>Right pane: outline and more</a:t>
-            </a:r>
-          </a:p>
-          <a:p>
-            <a:pPr lvl="0"/>
-            <a:r>
-              <a:rPr/>
-              <a:t>Export button: select one of the available formats (except </a:t>
-            </a:r>
-            <a:r>
-              <a:rPr>
-                <a:latin typeface="Courier"/>
-              </a:rPr>
-              <a:t>LaTeX</a:t>
-            </a:r>
-            <a:r>
-              <a:rPr/>
-              <a:t>)</a:t>
-            </a:r>
-          </a:p>
-        </p:txBody>
-      </p:sp>
-    </p:spTree>
-  </p:cSld>
-</p:sld>
-</file>
-
 <file path=ppt/slides/slide19.xml><?xml version="1.0" encoding="utf-8"?>
 <p:sld xmlns:a="http://schemas.openxmlformats.org/drawingml/2006/main" xmlns:r="http://schemas.openxmlformats.org/officeDocument/2006/relationships" xmlns:p="http://schemas.openxmlformats.org/presentationml/2006/main">
   <p:cSld>
@@ -4350,17 +4226,7 @@
             </a:pPr>
             <a:r>
               <a:rPr/>
-              <a:t>References: </a:t>
-            </a:r>
-            <a:r>
-              <a:rPr>
-                <a:latin typeface="Courier"/>
-              </a:rPr>
-              <a:t>Zotero</a:t>
-            </a:r>
-            <a:r>
-              <a:rPr/>
-              <a:t> + </a:t>
+              <a:t>Install </a:t>
             </a:r>
             <a:r>
               <a:rPr>
@@ -4386,122 +4252,50 @@
           <a:bodyPr/>
           <a:lstStyle/>
           <a:p>
-            <a:pPr lvl="0" indent="-342900" marL="342900">
-              <a:buAutoNum type="arabicPeriod"/>
-            </a:pPr>
-            <a:r>
-              <a:rPr/>
-              <a:t>Install </a:t>
+            <a:pPr lvl="0"/>
+            <a:r>
+              <a:rPr/>
+              <a:t>Simply go to the official website: </a:t>
+            </a:r>
+            <a:r>
+              <a:rPr>
+                <a:hlinkClick r:id="rId2"/>
+              </a:rPr>
+              <a:t>zettlr.com/download</a:t>
+            </a:r>
+          </a:p>
+          <a:p>
+            <a:pPr lvl="0"/>
+            <a:r>
+              <a:rPr/>
+              <a:t>Install and open it.</a:t>
+            </a:r>
+          </a:p>
+          <a:p>
+            <a:pPr lvl="0"/>
+            <a:r>
+              <a:rPr/>
+              <a:t>If you write academic articles, you will need </a:t>
             </a:r>
             <a:r>
               <a:rPr>
                 <a:latin typeface="Courier"/>
               </a:rPr>
-              <a:t>Zotero</a:t>
-            </a:r>
-            <a:r>
-              <a:rPr/>
-              <a:t>. You will manage all your references from here.</a:t>
-            </a:r>
-          </a:p>
-          <a:p>
-            <a:pPr lvl="0" indent="-342900" marL="342900">
-              <a:buAutoNum type="arabicPeriod"/>
-            </a:pPr>
-            <a:r>
-              <a:rPr/>
-              <a:t>Install the </a:t>
+              <a:t>LaTeX</a:t>
+            </a:r>
+            <a:r>
+              <a:rPr/>
+              <a:t> at some point. Simply use </a:t>
             </a:r>
             <a:r>
               <a:rPr>
                 <a:latin typeface="Courier"/>
               </a:rPr>
-              <a:t>BetterBibTeX</a:t>
-            </a:r>
-            <a:r>
-              <a:rPr/>
-              <a:t> plugin for </a:t>
-            </a:r>
-            <a:r>
-              <a:rPr>
-                <a:latin typeface="Courier"/>
-              </a:rPr>
-              <a:t>Zotero</a:t>
-            </a:r>
-          </a:p>
-          <a:p>
-            <a:pPr lvl="0" indent="-342900" marL="342900">
-              <a:buAutoNum type="arabicPeriod"/>
-            </a:pPr>
-            <a:r>
-              <a:rPr/>
-              <a:t>Export your </a:t>
-            </a:r>
-            <a:r>
-              <a:rPr>
-                <a:latin typeface="Courier"/>
-              </a:rPr>
-              <a:t>Zotero</a:t>
-            </a:r>
-            <a:r>
-              <a:rPr/>
-              <a:t> library</a:t>
-            </a:r>
-          </a:p>
-          <a:p>
-            <a:pPr lvl="0" indent="-342900" marL="342900">
-              <a:buAutoNum type="arabicPeriod"/>
-            </a:pPr>
-            <a:r>
-              <a:rPr/>
-              <a:t>Open it in </a:t>
-            </a:r>
-            <a:r>
-              <a:rPr>
-                <a:latin typeface="Courier"/>
-              </a:rPr>
-              <a:t>Zettlr</a:t>
-            </a:r>
-          </a:p>
-          <a:p>
-            <a:pPr lvl="0" indent="-342900" marL="342900">
-              <a:buAutoNum type="arabicPeriod"/>
-            </a:pPr>
-            <a:r>
-              <a:rPr/>
-              <a:t>Type in </a:t>
-            </a:r>
-            <a:r>
-              <a:rPr>
-                <a:latin typeface="Courier"/>
-              </a:rPr>
-              <a:t>@</a:t>
-            </a:r>
-            <a:r>
-              <a:rPr/>
-              <a:t> and select one of your refs.</a:t>
-            </a:r>
-          </a:p>
-          <a:p>
-            <a:pPr lvl="0" indent="0" marL="0">
-              <a:buNone/>
-            </a:pPr>
-            <a:r>
-              <a:rPr b="1"/>
-              <a:t>Example</a:t>
-            </a:r>
-            <a:r>
-              <a:rPr/>
-              <a:t> [@resnickLifelongKindergartenCultivating2017] and others emphasize the need to develop creativity in computing education.</a:t>
-            </a:r>
-          </a:p>
-          <a:p>
-            <a:pPr lvl="0" indent="0" marL="0">
-              <a:buNone/>
-            </a:pPr>
-            <a:r>
-              <a:rPr/>
-              <a:t>[@morPracticalDesignPatterns2014] have developed design patterns for implementing technology-enhanced pedagogy.</a:t>
+              <a:t>MikTeX</a:t>
+            </a:r>
+            <a:r>
+              <a:rPr/>
+              <a:t> (this is not the point today).</a:t>
             </a:r>
           </a:p>
         </p:txBody>
@@ -4553,7 +4347,7 @@
             </a:pPr>
             <a:r>
               <a:rPr/>
-              <a:t>Why?</a:t>
+              <a:t>Goal and overview</a:t>
             </a:r>
           </a:p>
         </p:txBody>
@@ -4599,8 +4393,142 @@
               <a:buNone/>
             </a:pPr>
             <a:r>
-              <a:rPr/>
-              <a:t>References</a:t>
+              <a:rPr>
+                <a:latin typeface="Courier"/>
+              </a:rPr>
+              <a:t>Markdown</a:t>
+            </a:r>
+            <a:r>
+              <a:rPr/>
+              <a:t> syntax</a:t>
+            </a:r>
+          </a:p>
+        </p:txBody>
+      </p:sp>
+      <p:sp>
+        <p:nvSpPr>
+          <p:cNvPr id="3" name="Content Placeholder 2"/>
+          <p:cNvSpPr>
+            <a:spLocks noGrp="1"/>
+          </p:cNvSpPr>
+          <p:nvPr>
+            <p:ph idx="1"/>
+          </p:nvPr>
+        </p:nvSpPr>
+        <p:spPr/>
+        <p:txBody>
+          <a:bodyPr/>
+          <a:lstStyle/>
+          <a:p>
+            <a:pPr lvl="0"/>
+            <a:r>
+              <a:rPr>
+                <a:latin typeface="Courier"/>
+              </a:rPr>
+              <a:t># Section heading</a:t>
+            </a:r>
+          </a:p>
+          <a:p>
+            <a:pPr lvl="1" indent="0" marL="342900">
+              <a:buNone/>
+            </a:pPr>
+            <a:r>
+              <a:rPr>
+                <a:latin typeface="Courier"/>
+              </a:rPr>
+              <a:t>## Subsection heading</a:t>
+            </a:r>
+            <a:r>
+              <a:rPr/>
+              <a:t>…</a:t>
+            </a:r>
+          </a:p>
+          <a:p>
+            <a:pPr lvl="0"/>
+            <a:r>
+              <a:rPr/>
+              <a:t>This is </a:t>
+            </a:r>
+            <a:r>
+              <a:rPr>
+                <a:latin typeface="Courier"/>
+              </a:rPr>
+              <a:t>_emphasized_</a:t>
+            </a:r>
+            <a:r>
+              <a:rPr/>
+              <a:t> and this is </a:t>
+            </a:r>
+            <a:r>
+              <a:rPr>
+                <a:latin typeface="Courier"/>
+              </a:rPr>
+              <a:t>**strong**</a:t>
+            </a:r>
+          </a:p>
+          <a:p>
+            <a:pPr lvl="0"/>
+            <a:r>
+              <a:rPr/>
+              <a:t>This is a </a:t>
+            </a:r>
+            <a:r>
+              <a:rPr>
+                <a:latin typeface="Courier"/>
+              </a:rPr>
+              <a:t>- List item</a:t>
+            </a:r>
+          </a:p>
+          <a:p>
+            <a:pPr lvl="0"/>
+            <a:r>
+              <a:rPr/>
+              <a:t>This is a </a:t>
+            </a:r>
+            <a:r>
+              <a:rPr>
+                <a:latin typeface="Courier"/>
+              </a:rPr>
+              <a:t>1. Numberred item</a:t>
+            </a:r>
+          </a:p>
+          <a:p>
+            <a:pPr lvl="0"/>
+            <a:r>
+              <a:rPr/>
+              <a:t>This is a </a:t>
+            </a:r>
+            <a:r>
+              <a:rPr>
+                <a:latin typeface="Courier"/>
+              </a:rPr>
+              <a:t>[link](https://zettlr.com)</a:t>
+            </a:r>
+          </a:p>
+          <a:p>
+            <a:pPr lvl="0"/>
+            <a:r>
+              <a:rPr/>
+              <a:t>This is an </a:t>
+            </a:r>
+            <a:r>
+              <a:rPr>
+                <a:latin typeface="Courier"/>
+              </a:rPr>
+              <a:t>![cute_cat.png](image)</a:t>
+            </a:r>
+          </a:p>
+          <a:p>
+            <a:pPr lvl="0"/>
+            <a:r>
+              <a:rPr>
+                <a:latin typeface="Courier"/>
+              </a:rPr>
+              <a:t>YAML</a:t>
+            </a:r>
+            <a:r>
+              <a:rPr/>
+              <a:t>: metadata and options</a:t>
             </a:r>
           </a:p>
         </p:txBody>
@@ -4647,50 +4575,75 @@
             </a:pPr>
             <a:r>
               <a:rPr/>
-              <a:t>Zettelkasten in </a:t>
+              <a:t>Basics and Exporting</a:t>
+            </a:r>
+          </a:p>
+        </p:txBody>
+      </p:sp>
+      <p:sp>
+        <p:nvSpPr>
+          <p:cNvPr id="3" name="Content Placeholder 2"/>
+          <p:cNvSpPr>
+            <a:spLocks noGrp="1"/>
+          </p:cNvSpPr>
+          <p:nvPr>
+            <p:ph idx="1"/>
+          </p:nvPr>
+        </p:nvSpPr>
+        <p:spPr/>
+        <p:txBody>
+          <a:bodyPr/>
+          <a:lstStyle/>
+          <a:p>
+            <a:pPr lvl="0"/>
+            <a:r>
+              <a:rPr/>
+              <a:t>Create a new file</a:t>
+            </a:r>
+          </a:p>
+          <a:p>
+            <a:pPr lvl="0"/>
+            <a:r>
+              <a:rPr/>
+              <a:t>Fill it up with some headings and content.</a:t>
+            </a:r>
+          </a:p>
+          <a:p>
+            <a:pPr lvl="0"/>
+            <a:r>
+              <a:rPr/>
+              <a:t>You have some shortcut icons (e.g. links and images)</a:t>
+            </a:r>
+          </a:p>
+          <a:p>
+            <a:pPr lvl="0"/>
+            <a:r>
+              <a:rPr/>
+              <a:t>Left pane: files explorer</a:t>
+            </a:r>
+          </a:p>
+          <a:p>
+            <a:pPr lvl="0"/>
+            <a:r>
+              <a:rPr/>
+              <a:t>Right pane: outline and more</a:t>
+            </a:r>
+          </a:p>
+          <a:p>
+            <a:pPr lvl="0"/>
+            <a:r>
+              <a:rPr/>
+              <a:t>Export button: select one of the available formats (except </a:t>
             </a:r>
             <a:r>
               <a:rPr>
                 <a:latin typeface="Courier"/>
               </a:rPr>
-              <a:t>Zettlr</a:t>
-            </a:r>
-          </a:p>
-        </p:txBody>
-      </p:sp>
-      <p:sp>
-        <p:nvSpPr>
-          <p:cNvPr id="3" name="Content Placeholder 2"/>
-          <p:cNvSpPr>
-            <a:spLocks noGrp="1"/>
-          </p:cNvSpPr>
-          <p:nvPr>
-            <p:ph idx="1"/>
-          </p:nvPr>
-        </p:nvSpPr>
-        <p:spPr/>
-        <p:txBody>
-          <a:bodyPr/>
-          <a:lstStyle/>
-          <a:p>
-            <a:pPr lvl="0"/>
-            <a:r>
-              <a:rPr/>
-              <a:t>Use #tags.</a:t>
-            </a:r>
-          </a:p>
-          <a:p>
-            <a:pPr lvl="0"/>
-            <a:r>
-              <a:rPr/>
-              <a:t>Link to other files, such as in [[about_tags]].</a:t>
-            </a:r>
-          </a:p>
-          <a:p>
-            <a:pPr lvl="0"/>
-            <a:r>
-              <a:rPr/>
-              <a:t>Give unique IDs to files such as [[20231216180452]] Another file</a:t>
+              <a:t>LaTeX</a:t>
+            </a:r>
+            <a:r>
+              <a:rPr/>
+              <a:t>)</a:t>
             </a:r>
           </a:p>
         </p:txBody>
@@ -4701,6 +4654,341 @@
 </file>
 
 <file path=ppt/slides/slide22.xml><?xml version="1.0" encoding="utf-8"?>
+<p:sld xmlns:a="http://schemas.openxmlformats.org/drawingml/2006/main" xmlns:r="http://schemas.openxmlformats.org/officeDocument/2006/relationships" xmlns:p="http://schemas.openxmlformats.org/presentationml/2006/main">
+  <p:cSld>
+    <p:spTree>
+      <p:nvGrpSpPr>
+        <p:cNvPr id="1" name=""/>
+        <p:cNvGrpSpPr/>
+        <p:nvPr/>
+      </p:nvGrpSpPr>
+      <p:grpSpPr>
+        <a:xfrm>
+          <a:off x="0" y="0"/>
+          <a:ext cx="0" cy="0"/>
+          <a:chOff x="0" y="0"/>
+          <a:chExt cx="0" cy="0"/>
+        </a:xfrm>
+      </p:grpSpPr>
+      <p:sp>
+        <p:nvSpPr>
+          <p:cNvPr id="2" name="Title 1"/>
+          <p:cNvSpPr>
+            <a:spLocks noGrp="1"/>
+          </p:cNvSpPr>
+          <p:nvPr>
+            <p:ph type="title"/>
+          </p:nvPr>
+        </p:nvSpPr>
+        <p:spPr/>
+        <p:txBody>
+          <a:bodyPr/>
+          <a:lstStyle/>
+          <a:p>
+            <a:pPr lvl="0" indent="0" marL="0">
+              <a:buNone/>
+            </a:pPr>
+            <a:r>
+              <a:rPr/>
+              <a:t>References: </a:t>
+            </a:r>
+            <a:r>
+              <a:rPr>
+                <a:latin typeface="Courier"/>
+              </a:rPr>
+              <a:t>Zotero</a:t>
+            </a:r>
+            <a:r>
+              <a:rPr/>
+              <a:t> + </a:t>
+            </a:r>
+            <a:r>
+              <a:rPr>
+                <a:latin typeface="Courier"/>
+              </a:rPr>
+              <a:t>Zettlr</a:t>
+            </a:r>
+          </a:p>
+        </p:txBody>
+      </p:sp>
+      <p:sp>
+        <p:nvSpPr>
+          <p:cNvPr id="3" name="Content Placeholder 2"/>
+          <p:cNvSpPr>
+            <a:spLocks noGrp="1"/>
+          </p:cNvSpPr>
+          <p:nvPr>
+            <p:ph idx="1"/>
+          </p:nvPr>
+        </p:nvSpPr>
+        <p:spPr/>
+        <p:txBody>
+          <a:bodyPr/>
+          <a:lstStyle/>
+          <a:p>
+            <a:pPr lvl="0" indent="-342900" marL="342900">
+              <a:buAutoNum type="arabicPeriod"/>
+            </a:pPr>
+            <a:r>
+              <a:rPr/>
+              <a:t>Install </a:t>
+            </a:r>
+            <a:r>
+              <a:rPr>
+                <a:latin typeface="Courier"/>
+              </a:rPr>
+              <a:t>Zotero</a:t>
+            </a:r>
+            <a:r>
+              <a:rPr/>
+              <a:t>. You will manage all your references from here.</a:t>
+            </a:r>
+          </a:p>
+          <a:p>
+            <a:pPr lvl="0" indent="-342900" marL="342900">
+              <a:buAutoNum type="arabicPeriod"/>
+            </a:pPr>
+            <a:r>
+              <a:rPr/>
+              <a:t>Install the </a:t>
+            </a:r>
+            <a:r>
+              <a:rPr>
+                <a:latin typeface="Courier"/>
+              </a:rPr>
+              <a:t>BetterBibTeX</a:t>
+            </a:r>
+            <a:r>
+              <a:rPr/>
+              <a:t> plugin for </a:t>
+            </a:r>
+            <a:r>
+              <a:rPr>
+                <a:latin typeface="Courier"/>
+              </a:rPr>
+              <a:t>Zotero</a:t>
+            </a:r>
+          </a:p>
+          <a:p>
+            <a:pPr lvl="0" indent="-342900" marL="342900">
+              <a:buAutoNum type="arabicPeriod"/>
+            </a:pPr>
+            <a:r>
+              <a:rPr/>
+              <a:t>Export your </a:t>
+            </a:r>
+            <a:r>
+              <a:rPr>
+                <a:latin typeface="Courier"/>
+              </a:rPr>
+              <a:t>Zotero</a:t>
+            </a:r>
+            <a:r>
+              <a:rPr/>
+              <a:t> library</a:t>
+            </a:r>
+          </a:p>
+          <a:p>
+            <a:pPr lvl="0" indent="-342900" marL="342900">
+              <a:buAutoNum type="arabicPeriod"/>
+            </a:pPr>
+            <a:r>
+              <a:rPr/>
+              <a:t>Open it in </a:t>
+            </a:r>
+            <a:r>
+              <a:rPr>
+                <a:latin typeface="Courier"/>
+              </a:rPr>
+              <a:t>Zettlr</a:t>
+            </a:r>
+          </a:p>
+          <a:p>
+            <a:pPr lvl="0" indent="-342900" marL="342900">
+              <a:buAutoNum type="arabicPeriod"/>
+            </a:pPr>
+            <a:r>
+              <a:rPr/>
+              <a:t>Type in </a:t>
+            </a:r>
+            <a:r>
+              <a:rPr>
+                <a:latin typeface="Courier"/>
+              </a:rPr>
+              <a:t>@</a:t>
+            </a:r>
+            <a:r>
+              <a:rPr/>
+              <a:t> and select one of your refs.</a:t>
+            </a:r>
+          </a:p>
+          <a:p>
+            <a:pPr lvl="0" indent="0" marL="0">
+              <a:buNone/>
+            </a:pPr>
+            <a:r>
+              <a:rPr b="1"/>
+              <a:t>Example</a:t>
+            </a:r>
+            <a:r>
+              <a:rPr/>
+              <a:t> [@resnickLifelongKindergartenCultivating2017] and others emphasize the need to develop creativity in computing education.</a:t>
+            </a:r>
+          </a:p>
+          <a:p>
+            <a:pPr lvl="0" indent="0" marL="0">
+              <a:buNone/>
+            </a:pPr>
+            <a:r>
+              <a:rPr/>
+              <a:t>[@morPracticalDesignPatterns2014] have developed design patterns for implementing technology-enhanced pedagogy.</a:t>
+            </a:r>
+          </a:p>
+        </p:txBody>
+      </p:sp>
+    </p:spTree>
+  </p:cSld>
+</p:sld>
+</file>
+
+<file path=ppt/slides/slide23.xml><?xml version="1.0" encoding="utf-8"?>
+<p:sld xmlns:a="http://schemas.openxmlformats.org/drawingml/2006/main" xmlns:r="http://schemas.openxmlformats.org/officeDocument/2006/relationships" xmlns:p="http://schemas.openxmlformats.org/presentationml/2006/main">
+  <p:cSld>
+    <p:spTree>
+      <p:nvGrpSpPr>
+        <p:cNvPr id="1" name=""/>
+        <p:cNvGrpSpPr/>
+        <p:nvPr/>
+      </p:nvGrpSpPr>
+      <p:grpSpPr>
+        <a:xfrm>
+          <a:off x="0" y="0"/>
+          <a:ext cx="0" cy="0"/>
+          <a:chOff x="0" y="0"/>
+          <a:chExt cx="0" cy="0"/>
+        </a:xfrm>
+      </p:grpSpPr>
+      <p:sp>
+        <p:nvSpPr>
+          <p:cNvPr id="2" name="Title 1"/>
+          <p:cNvSpPr>
+            <a:spLocks noGrp="1"/>
+          </p:cNvSpPr>
+          <p:nvPr>
+            <p:ph type="title"/>
+          </p:nvPr>
+        </p:nvSpPr>
+        <p:spPr/>
+        <p:txBody>
+          <a:bodyPr/>
+          <a:lstStyle/>
+          <a:p>
+            <a:pPr lvl="0" indent="0" marL="0">
+              <a:buNone/>
+            </a:pPr>
+            <a:r>
+              <a:rPr/>
+              <a:t>References</a:t>
+            </a:r>
+          </a:p>
+        </p:txBody>
+      </p:sp>
+    </p:spTree>
+  </p:cSld>
+</p:sld>
+</file>
+
+<file path=ppt/slides/slide24.xml><?xml version="1.0" encoding="utf-8"?>
+<p:sld xmlns:a="http://schemas.openxmlformats.org/drawingml/2006/main" xmlns:r="http://schemas.openxmlformats.org/officeDocument/2006/relationships" xmlns:p="http://schemas.openxmlformats.org/presentationml/2006/main">
+  <p:cSld>
+    <p:spTree>
+      <p:nvGrpSpPr>
+        <p:cNvPr id="1" name=""/>
+        <p:cNvGrpSpPr/>
+        <p:nvPr/>
+      </p:nvGrpSpPr>
+      <p:grpSpPr>
+        <a:xfrm>
+          <a:off x="0" y="0"/>
+          <a:ext cx="0" cy="0"/>
+          <a:chOff x="0" y="0"/>
+          <a:chExt cx="0" cy="0"/>
+        </a:xfrm>
+      </p:grpSpPr>
+      <p:sp>
+        <p:nvSpPr>
+          <p:cNvPr id="2" name="Title 1"/>
+          <p:cNvSpPr>
+            <a:spLocks noGrp="1"/>
+          </p:cNvSpPr>
+          <p:nvPr>
+            <p:ph type="title"/>
+          </p:nvPr>
+        </p:nvSpPr>
+        <p:spPr/>
+        <p:txBody>
+          <a:bodyPr/>
+          <a:lstStyle/>
+          <a:p>
+            <a:pPr lvl="0" indent="0" marL="0">
+              <a:buNone/>
+            </a:pPr>
+            <a:r>
+              <a:rPr/>
+              <a:t>Zettelkasten in </a:t>
+            </a:r>
+            <a:r>
+              <a:rPr>
+                <a:latin typeface="Courier"/>
+              </a:rPr>
+              <a:t>Zettlr</a:t>
+            </a:r>
+          </a:p>
+        </p:txBody>
+      </p:sp>
+      <p:sp>
+        <p:nvSpPr>
+          <p:cNvPr id="3" name="Content Placeholder 2"/>
+          <p:cNvSpPr>
+            <a:spLocks noGrp="1"/>
+          </p:cNvSpPr>
+          <p:nvPr>
+            <p:ph idx="1"/>
+          </p:nvPr>
+        </p:nvSpPr>
+        <p:spPr/>
+        <p:txBody>
+          <a:bodyPr/>
+          <a:lstStyle/>
+          <a:p>
+            <a:pPr lvl="0"/>
+            <a:r>
+              <a:rPr/>
+              <a:t>Use #tags.</a:t>
+            </a:r>
+          </a:p>
+          <a:p>
+            <a:pPr lvl="0"/>
+            <a:r>
+              <a:rPr/>
+              <a:t>Link to other files, such as in [[about_tags]].</a:t>
+            </a:r>
+          </a:p>
+          <a:p>
+            <a:pPr lvl="0"/>
+            <a:r>
+              <a:rPr/>
+              <a:t>Give unique IDs to files such as [[20231216180452]] Another file</a:t>
+            </a:r>
+          </a:p>
+        </p:txBody>
+      </p:sp>
+    </p:spTree>
+  </p:cSld>
+</p:sld>
+</file>
+
+<file path=ppt/slides/slide25.xml><?xml version="1.0" encoding="utf-8"?>
 <p:sld xmlns:a="http://schemas.openxmlformats.org/drawingml/2006/main" xmlns:r="http://schemas.openxmlformats.org/officeDocument/2006/relationships" xmlns:p="http://schemas.openxmlformats.org/presentationml/2006/main">
   <p:cSld>
     <p:spTree>
@@ -4777,7 +5065,7 @@
 </p:sld>
 </file>
 
-<file path=ppt/slides/slide23.xml><?xml version="1.0" encoding="utf-8"?>
+<file path=ppt/slides/slide26.xml><?xml version="1.0" encoding="utf-8"?>
 <p:sld xmlns:a="http://schemas.openxmlformats.org/drawingml/2006/main" xmlns:r="http://schemas.openxmlformats.org/officeDocument/2006/relationships" xmlns:p="http://schemas.openxmlformats.org/presentationml/2006/main">
   <p:cSld>
     <p:spTree>
@@ -4969,7 +5257,7 @@
 </p:sld>
 </file>
 
-<file path=ppt/slides/slide24.xml><?xml version="1.0" encoding="utf-8"?>
+<file path=ppt/slides/slide27.xml><?xml version="1.0" encoding="utf-8"?>
 <p:sld xmlns:a="http://schemas.openxmlformats.org/drawingml/2006/main" xmlns:r="http://schemas.openxmlformats.org/officeDocument/2006/relationships" xmlns:p="http://schemas.openxmlformats.org/presentationml/2006/main">
   <p:cSld>
     <p:spTree>
@@ -5266,12 +5554,8 @@
               <a:buNone/>
             </a:pPr>
             <a:r>
-              <a:rPr i="1"/>
-              <a:t>Raison d’être</a:t>
-            </a:r>
-            <a:r>
-              <a:rPr/>
-              <a:t> of Personal Knowledge Management (PKM)</a:t>
+              <a:rPr/>
+              <a:t>Objectives</a:t>
             </a:r>
           </a:p>
         </p:txBody>
@@ -5294,53 +5578,55 @@
             <a:pPr lvl="0"/>
             <a:r>
               <a:rPr/>
-              <a:t>We live in an information society. We are overloaded with information of diverse nature and quality.</a:t>
-            </a:r>
-          </a:p>
-          <a:p>
-            <a:pPr lvl="0"/>
-            <a:r>
-              <a:rPr/>
-              <a:t>There is more than </a:t>
-            </a:r>
-            <a:r>
-              <a:rPr i="1"/>
-              <a:t>information overload</a:t>
-            </a:r>
-            <a:r>
-              <a:rPr/>
-              <a:t>: </a:t>
-            </a:r>
-            <a:r>
-              <a:rPr i="1"/>
-              <a:t>tools overload</a:t>
-            </a:r>
-            <a:r>
-              <a:rPr/>
-              <a:t>, </a:t>
-            </a:r>
-            <a:r>
-              <a:rPr i="1"/>
-              <a:t>social overload</a:t>
-            </a:r>
-            <a:r>
-              <a:rPr/>
-              <a:t> and </a:t>
-            </a:r>
-            <a:r>
-              <a:rPr i="1"/>
-              <a:t>reference overload</a:t>
-            </a:r>
-            <a:r>
-              <a:rPr/>
-              <a:t>.</a:t>
-            </a:r>
-          </a:p>
-          <a:p>
-            <a:pPr lvl="0"/>
-            <a:r>
-              <a:rPr/>
-              <a:t>Most individuals are passive against these concerns. However, the digital medium has its very own characteristics we need to embrace to develop a personal.</a:t>
+              <a:t>Figure out why you should get familiar with knowledge management and content publishing</a:t>
+            </a:r>
+          </a:p>
+          <a:p>
+            <a:pPr lvl="0"/>
+            <a:r>
+              <a:rPr/>
+              <a:t>Figure out the advantages of plain text and multi-format exporting</a:t>
+            </a:r>
+          </a:p>
+          <a:p>
+            <a:pPr lvl="0"/>
+            <a:r>
+              <a:rPr/>
+              <a:t>Get familiar with </a:t>
+            </a:r>
+            <a:r>
+              <a:rPr>
+                <a:latin typeface="Courier"/>
+              </a:rPr>
+              <a:t>Markdown</a:t>
+            </a:r>
+            <a:r>
+              <a:rPr/>
+              <a:t> and basic exporting using a simple tool</a:t>
+            </a:r>
+          </a:p>
+          <a:p>
+            <a:pPr lvl="0"/>
+            <a:r>
+              <a:rPr/>
+              <a:t>Start to elaborate personal PKM practices</a:t>
+            </a:r>
+          </a:p>
+          <a:p>
+            <a:pPr lvl="0"/>
+            <a:r>
+              <a:rPr/>
+              <a:t>Experience how a tool like </a:t>
+            </a:r>
+            <a:r>
+              <a:rPr>
+                <a:latin typeface="Courier"/>
+              </a:rPr>
+              <a:t>Zettlr</a:t>
+            </a:r>
+            <a:r>
+              <a:rPr/>
+              <a:t> can help with this process</a:t>
             </a:r>
           </a:p>
         </p:txBody>
@@ -5387,7 +5673,7 @@
             </a:pPr>
             <a:r>
               <a:rPr/>
-              <a:t>What is PKM?</a:t>
+              <a:t>Overview</a:t>
             </a:r>
           </a:p>
         </p:txBody>
@@ -5412,7 +5698,47 @@
             </a:pPr>
             <a:r>
               <a:rPr/>
-              <a:t>PKM is the field that precisely studies that issue: how, as individuals, can we thrive in the informational age? How can we make the most out of information technologies without feeling overwhelmed?</a:t>
+              <a:t>Have a look at what you can get with a bit of practical knowledge of plain text workflows (</a:t>
+            </a:r>
+            <a:r>
+              <a:rPr>
+                <a:latin typeface="Courier"/>
+              </a:rPr>
+              <a:t>quarto</a:t>
+            </a:r>
+            <a:r>
+              <a:rPr/>
+              <a:t>) and </a:t>
+            </a:r>
+            <a:r>
+              <a:rPr>
+                <a:latin typeface="Courier"/>
+              </a:rPr>
+              <a:t>GitHub</a:t>
+            </a:r>
+            <a:r>
+              <a:rPr/>
+              <a:t>: </a:t>
+            </a:r>
+            <a:r>
+              <a:rPr>
+                <a:hlinkClick r:id="rId2"/>
+              </a:rPr>
+              <a:t>https://smart-edtech.github.io/smarties/</a:t>
+            </a:r>
+          </a:p>
+          <a:p>
+            <a:pPr lvl="0"/>
+            <a:r>
+              <a:rPr/>
+              <a:t>Automatic build of the website</a:t>
+            </a:r>
+          </a:p>
+          <a:p>
+            <a:pPr lvl="0"/>
+            <a:r>
+              <a:rPr/>
+              <a:t>Multi-format exporting avairable</a:t>
             </a:r>
           </a:p>
         </p:txBody>
@@ -5449,7 +5775,12 @@
             <p:ph type="title"/>
           </p:nvPr>
         </p:nvSpPr>
-        <p:spPr/>
+        <p:spPr>
+          <a:xfrm>
+            <a:off x="722313" y="3305176"/>
+            <a:ext cx="7772400" cy="1021556"/>
+          </a:xfrm>
+        </p:spPr>
         <p:txBody>
           <a:bodyPr/>
           <a:lstStyle/>
@@ -5459,58 +5790,7 @@
             </a:pPr>
             <a:r>
               <a:rPr/>
-              <a:t>Key skills in PKM</a:t>
-            </a:r>
-          </a:p>
-        </p:txBody>
-      </p:sp>
-      <p:sp>
-        <p:nvSpPr>
-          <p:cNvPr id="3" name="Content Placeholder 2"/>
-          <p:cNvSpPr>
-            <a:spLocks noGrp="1"/>
-          </p:cNvSpPr>
-          <p:nvPr>
-            <p:ph idx="1"/>
-          </p:nvPr>
-        </p:nvSpPr>
-        <p:spPr/>
-        <p:txBody>
-          <a:bodyPr/>
-          <a:lstStyle/>
-          <a:p>
-            <a:pPr lvl="0"/>
-            <a:r>
-              <a:rPr/>
-              <a:t>Management</a:t>
-            </a:r>
-          </a:p>
-          <a:p>
-            <a:pPr lvl="0"/>
-            <a:r>
-              <a:rPr/>
-              <a:t>Lifelong learning</a:t>
-            </a:r>
-          </a:p>
-          <a:p>
-            <a:pPr lvl="0"/>
-            <a:r>
-              <a:rPr/>
-              <a:t>Communication and interpersonal skills</a:t>
-            </a:r>
-          </a:p>
-          <a:p>
-            <a:pPr lvl="0"/>
-            <a:r>
-              <a:rPr/>
-              <a:t>Technological fluency</a:t>
-            </a:r>
-          </a:p>
-          <a:p>
-            <a:pPr lvl="0"/>
-            <a:r>
-              <a:rPr/>
-              <a:t>Forecasting and anticipating</a:t>
+              <a:t>Why?</a:t>
             </a:r>
           </a:p>
         </p:txBody>
@@ -5556,8 +5836,12 @@
               <a:buNone/>
             </a:pPr>
             <a:r>
-              <a:rPr/>
-              <a:t>Key skills in PKM (cont’d)</a:t>
+              <a:rPr i="1"/>
+              <a:t>Raison d’être</a:t>
+            </a:r>
+            <a:r>
+              <a:rPr/>
+              <a:t> of Personal Knowledge Management (PKM)</a:t>
             </a:r>
           </a:p>
         </p:txBody>
@@ -5580,28 +5864,53 @@
             <a:pPr lvl="0"/>
             <a:r>
               <a:rPr/>
-              <a:t>Use frameworks, models and conceptual tools to build upon your current KM practices.</a:t>
-            </a:r>
-          </a:p>
-          <a:p>
-            <a:pPr lvl="0"/>
-            <a:r>
-              <a:rPr/>
-              <a:t>Implement PKM strategies using digital technologies.</a:t>
-            </a:r>
-          </a:p>
-          <a:p>
-            <a:pPr lvl="0"/>
-            <a:r>
-              <a:rPr/>
-              <a:t>PKM practices are ultimately personal and evolving constructs.</a:t>
-            </a:r>
-          </a:p>
-          <a:p>
-            <a:pPr lvl="0"/>
-            <a:r>
-              <a:rPr/>
-              <a:t>Reflect about the process, iterate, exchange with others</a:t>
+              <a:t>We live in an information society. We are overloaded with information of diverse nature and quality.</a:t>
+            </a:r>
+          </a:p>
+          <a:p>
+            <a:pPr lvl="0"/>
+            <a:r>
+              <a:rPr/>
+              <a:t>There is more than </a:t>
+            </a:r>
+            <a:r>
+              <a:rPr i="1"/>
+              <a:t>information overload</a:t>
+            </a:r>
+            <a:r>
+              <a:rPr/>
+              <a:t>: </a:t>
+            </a:r>
+            <a:r>
+              <a:rPr i="1"/>
+              <a:t>tools overload</a:t>
+            </a:r>
+            <a:r>
+              <a:rPr/>
+              <a:t>, </a:t>
+            </a:r>
+            <a:r>
+              <a:rPr i="1"/>
+              <a:t>social overload</a:t>
+            </a:r>
+            <a:r>
+              <a:rPr/>
+              <a:t> and </a:t>
+            </a:r>
+            <a:r>
+              <a:rPr i="1"/>
+              <a:t>reference overload</a:t>
+            </a:r>
+            <a:r>
+              <a:rPr/>
+              <a:t>.</a:t>
+            </a:r>
+          </a:p>
+          <a:p>
+            <a:pPr lvl="0"/>
+            <a:r>
+              <a:rPr/>
+              <a:t>Most individuals are passive against these concerns. However, the digital medium has its very own characteristics we need to embrace to develop a personal.</a:t>
             </a:r>
           </a:p>
         </p:txBody>
@@ -5648,7 +5957,7 @@
             </a:pPr>
             <a:r>
               <a:rPr/>
-              <a:t>Some concrete insights</a:t>
+              <a:t>What is PKM?</a:t>
             </a:r>
           </a:p>
         </p:txBody>
@@ -5668,71 +5977,12 @@
           <a:bodyPr/>
           <a:lstStyle/>
           <a:p>
-            <a:pPr lvl="0"/>
-            <a:r>
-              <a:rPr/>
-              <a:t>Find an equilibrium between </a:t>
-            </a:r>
-            <a:r>
-              <a:rPr i="1"/>
-              <a:t>content consumption</a:t>
-            </a:r>
-            <a:r>
-              <a:rPr/>
-              <a:t> and </a:t>
-            </a:r>
-            <a:r>
-              <a:rPr i="1"/>
-              <a:t>content creation</a:t>
-            </a:r>
-          </a:p>
-          <a:p>
-            <a:pPr lvl="0"/>
-            <a:r>
-              <a:rPr/>
-              <a:t>Move from </a:t>
-            </a:r>
-            <a:r>
-              <a:rPr i="1"/>
-              <a:t>note-taking</a:t>
-            </a:r>
-            <a:r>
-              <a:rPr/>
-              <a:t> to </a:t>
-            </a:r>
-            <a:r>
-              <a:rPr i="1"/>
-              <a:t>note-making</a:t>
-            </a:r>
-            <a:r>
-              <a:rPr/>
-              <a:t>: think about your notes, not just their content</a:t>
-            </a:r>
-          </a:p>
-          <a:p>
-            <a:pPr lvl="0"/>
-            <a:r>
-              <a:rPr/>
-              <a:t>Showcase your learning: </a:t>
-            </a:r>
-            <a:r>
-              <a:rPr i="1"/>
-              <a:t>learn in public</a:t>
-            </a:r>
-            <a:r>
-              <a:rPr/>
-              <a:t>, build a </a:t>
-            </a:r>
-            <a:r>
-              <a:rPr i="1"/>
-              <a:t>digital garden</a:t>
-            </a:r>
-          </a:p>
-          <a:p>
-            <a:pPr lvl="0"/>
-            <a:r>
-              <a:rPr/>
-              <a:t>View digital tools as opportunities to design new workflows</a:t>
+            <a:pPr lvl="0" indent="0" marL="0">
+              <a:buNone/>
+            </a:pPr>
+            <a:r>
+              <a:rPr/>
+              <a:t>PKM is the field that precisely studies that issue: how, as individuals, can we thrive in the informational age? How can we make the most out of information technologies without feeling overwhelmed?</a:t>
             </a:r>
           </a:p>
         </p:txBody>
@@ -5769,12 +6019,7 @@
             <p:ph type="title"/>
           </p:nvPr>
         </p:nvSpPr>
-        <p:spPr>
-          <a:xfrm>
-            <a:off x="457201" y="204787"/>
-            <a:ext cx="3008313" cy="871538"/>
-          </a:xfrm>
-        </p:spPr>
+        <p:spPr/>
         <p:txBody>
           <a:bodyPr/>
           <a:lstStyle/>
@@ -5784,66 +6029,62 @@
             </a:pPr>
             <a:r>
               <a:rPr/>
-              <a:t>The GUSC model</a:t>
-            </a:r>
-          </a:p>
-        </p:txBody>
-      </p:sp>
-      <p:sp>
-        <p:nvSpPr>
-          <p:cNvPr id="4" name="Text Placeholder 3"/>
-          <p:cNvSpPr>
-            <a:spLocks noGrp="1"/>
-          </p:cNvSpPr>
-          <p:nvPr>
-            <p:ph idx="2" sz="half" type="body"/>
-          </p:nvPr>
-        </p:nvSpPr>
-        <p:spPr/>
-        <p:txBody>
-          <a:bodyPr/>
-          <a:lstStyle/>
-          <a:p>
-            <a:pPr lvl="0" indent="0" marL="0">
-              <a:buNone/>
-            </a:pPr>
-            <a:r>
-              <a:rPr/>
-              <a:t>We will use the GUSC model. It can be seen as a concretization of the SECI model.</a:t>
-            </a:r>
-          </a:p>
-        </p:txBody>
-      </p:sp>
-      <p:pic>
-        <p:nvPicPr>
-          <p:cNvPr descr="gusc.png" id="0" name="Picture 1"/>
-          <p:cNvPicPr>
-            <a:picLocks noGrp="1" noChangeAspect="1"/>
-          </p:cNvPicPr>
-          <p:nvPr/>
-        </p:nvPicPr>
-        <p:blipFill>
-          <a:blip r:embed="rId2"/>
-          <a:stretch>
-            <a:fillRect/>
-          </a:stretch>
-        </p:blipFill>
-        <p:spPr bwMode="auto">
-          <a:xfrm>
-            <a:off x="3568700" y="203200"/>
-            <a:ext cx="5092700" cy="4381500"/>
-          </a:xfrm>
-          <a:prstGeom prst="rect">
-            <a:avLst/>
-          </a:prstGeom>
-          <a:noFill/>
-          <a:ln w="9525">
-            <a:noFill/>
-            <a:headEnd/>
-            <a:tailEnd/>
-          </a:ln>
-        </p:spPr>
-      </p:pic>
+              <a:t>Key skills in PKM</a:t>
+            </a:r>
+          </a:p>
+        </p:txBody>
+      </p:sp>
+      <p:sp>
+        <p:nvSpPr>
+          <p:cNvPr id="3" name="Content Placeholder 2"/>
+          <p:cNvSpPr>
+            <a:spLocks noGrp="1"/>
+          </p:cNvSpPr>
+          <p:nvPr>
+            <p:ph idx="1"/>
+          </p:nvPr>
+        </p:nvSpPr>
+        <p:spPr/>
+        <p:txBody>
+          <a:bodyPr/>
+          <a:lstStyle/>
+          <a:p>
+            <a:pPr lvl="0"/>
+            <a:r>
+              <a:rPr/>
+              <a:t>Management</a:t>
+            </a:r>
+          </a:p>
+          <a:p>
+            <a:pPr lvl="0"/>
+            <a:r>
+              <a:rPr/>
+              <a:t>Lifelong learning</a:t>
+            </a:r>
+          </a:p>
+          <a:p>
+            <a:pPr lvl="0"/>
+            <a:r>
+              <a:rPr/>
+              <a:t>Communication and interpersonal skills</a:t>
+            </a:r>
+          </a:p>
+          <a:p>
+            <a:pPr lvl="0"/>
+            <a:r>
+              <a:rPr/>
+              <a:t>Technological fluency</a:t>
+            </a:r>
+          </a:p>
+          <a:p>
+            <a:pPr lvl="0"/>
+            <a:r>
+              <a:rPr/>
+              <a:t>Forecasting and anticipating</a:t>
+            </a:r>
+          </a:p>
+        </p:txBody>
+      </p:sp>
     </p:spTree>
   </p:cSld>
 </p:sld>
@@ -5868,6 +6109,31 @@
       </p:grpSpPr>
       <p:sp>
         <p:nvSpPr>
+          <p:cNvPr id="2" name="Title 1"/>
+          <p:cNvSpPr>
+            <a:spLocks noGrp="1"/>
+          </p:cNvSpPr>
+          <p:nvPr>
+            <p:ph type="title"/>
+          </p:nvPr>
+        </p:nvSpPr>
+        <p:spPr/>
+        <p:txBody>
+          <a:bodyPr/>
+          <a:lstStyle/>
+          <a:p>
+            <a:pPr lvl="0" indent="0" marL="0">
+              <a:buNone/>
+            </a:pPr>
+            <a:r>
+              <a:rPr/>
+              <a:t>Key skills in PKM (cont’d)</a:t>
+            </a:r>
+          </a:p>
+        </p:txBody>
+      </p:sp>
+      <p:sp>
+        <p:nvSpPr>
           <p:cNvPr id="3" name="Content Placeholder 2"/>
           <p:cNvSpPr>
             <a:spLocks noGrp="1"/>
@@ -5881,12 +6147,31 @@
           <a:bodyPr/>
           <a:lstStyle/>
           <a:p>
-            <a:pPr lvl="0" indent="0" marL="0">
-              <a:buNone/>
-            </a:pPr>
-            <a:r>
-              <a:rPr/>
-              <a:t>→ A simple yet powerful model. We need to associate concrete actions to each phase.</a:t>
+            <a:pPr lvl="0"/>
+            <a:r>
+              <a:rPr/>
+              <a:t>Use frameworks, models and conceptual tools to build upon your current KM practices.</a:t>
+            </a:r>
+          </a:p>
+          <a:p>
+            <a:pPr lvl="0"/>
+            <a:r>
+              <a:rPr/>
+              <a:t>Implement PKM strategies using digital technologies.</a:t>
+            </a:r>
+          </a:p>
+          <a:p>
+            <a:pPr lvl="0"/>
+            <a:r>
+              <a:rPr/>
+              <a:t>PKM practices are ultimately personal and evolving constructs.</a:t>
+            </a:r>
+          </a:p>
+          <a:p>
+            <a:pPr lvl="0"/>
+            <a:r>
+              <a:rPr/>
+              <a:t>Reflect about the process, iterate, exchange with others</a:t>
             </a:r>
           </a:p>
         </p:txBody>

--- a/workshop/markdown/index.pptx
+++ b/workshop/markdown/index.pptx
@@ -32,6 +32,8 @@
     <p:sldId id="280" r:id="rId26"/>
     <p:sldId id="281" r:id="rId27"/>
     <p:sldId id="282" r:id="rId28"/>
+    <p:sldId id="283" r:id="rId29"/>
+    <p:sldId id="284" r:id="rId30"/>
   </p:sldIdLst>
   <p:sldSz cx="9144000" cy="5143500" type="screen16x9"/>
   <p:notesSz cx="6858000" cy="9144000"/>
@@ -3230,7 +3232,13 @@
             </a:pPr>
             <a:r>
               <a:rPr/>
-              <a:t>Some concrete insights</a:t>
+              <a:t>Meet </a:t>
+            </a:r>
+            <a:r>
+              <a:rPr>
+                <a:latin typeface="Courier"/>
+              </a:rPr>
+              <a:t>Zettlr</a:t>
             </a:r>
           </a:p>
         </p:txBody>
@@ -3250,71 +3258,73 @@
           <a:bodyPr/>
           <a:lstStyle/>
           <a:p>
-            <a:pPr lvl="0"/>
-            <a:r>
-              <a:rPr/>
-              <a:t>Find an equilibrium between </a:t>
-            </a:r>
-            <a:r>
-              <a:rPr i="1"/>
-              <a:t>content consumption</a:t>
-            </a:r>
-            <a:r>
-              <a:rPr/>
-              <a:t> and </a:t>
-            </a:r>
-            <a:r>
-              <a:rPr i="1"/>
-              <a:t>content creation</a:t>
-            </a:r>
-          </a:p>
-          <a:p>
-            <a:pPr lvl="0"/>
-            <a:r>
-              <a:rPr/>
-              <a:t>Move from </a:t>
-            </a:r>
-            <a:r>
-              <a:rPr i="1"/>
-              <a:t>note-taking</a:t>
-            </a:r>
-            <a:r>
-              <a:rPr/>
-              <a:t> to </a:t>
-            </a:r>
-            <a:r>
-              <a:rPr i="1"/>
-              <a:t>note-making</a:t>
-            </a:r>
-            <a:r>
-              <a:rPr/>
-              <a:t>: think about your notes, not just their content</a:t>
-            </a:r>
-          </a:p>
-          <a:p>
-            <a:pPr lvl="0"/>
-            <a:r>
-              <a:rPr/>
-              <a:t>Showcase your learning: </a:t>
-            </a:r>
-            <a:r>
-              <a:rPr i="1"/>
-              <a:t>learn in public</a:t>
-            </a:r>
-            <a:r>
-              <a:rPr/>
-              <a:t>, build a </a:t>
-            </a:r>
-            <a:r>
-              <a:rPr i="1"/>
-              <a:t>digital garden</a:t>
-            </a:r>
-          </a:p>
-          <a:p>
-            <a:pPr lvl="0"/>
-            <a:r>
-              <a:rPr/>
-              <a:t>View digital tools as opportunities to design new workflows</a:t>
+            <a:pPr lvl="0" indent="0" marL="0">
+              <a:buNone/>
+            </a:pPr>
+            <a:r>
+              <a:rPr>
+                <a:latin typeface="Courier"/>
+              </a:rPr>
+              <a:t>Zettlr</a:t>
+            </a:r>
+            <a:r>
+              <a:rPr/>
+              <a:t> is:</a:t>
+            </a:r>
+          </a:p>
+          <a:p>
+            <a:pPr lvl="0"/>
+            <a:r>
+              <a:rPr/>
+              <a:t>Designed with simplicity in mind</a:t>
+            </a:r>
+          </a:p>
+          <a:p>
+            <a:pPr lvl="0"/>
+            <a:r>
+              <a:rPr/>
+              <a:t>Free and Open-Source</a:t>
+            </a:r>
+          </a:p>
+          <a:p>
+            <a:pPr lvl="0"/>
+            <a:r>
+              <a:rPr/>
+              <a:t>Web-aware</a:t>
+            </a:r>
+          </a:p>
+          <a:p>
+            <a:pPr lvl="0"/>
+            <a:r>
+              <a:rPr/>
+              <a:t>Supported by a community (</a:t>
+            </a:r>
+            <a:r>
+              <a:rPr>
+                <a:latin typeface="Courier"/>
+              </a:rPr>
+              <a:t>Discord</a:t>
+            </a:r>
+            <a:r>
+              <a:rPr/>
+              <a:t>, </a:t>
+            </a:r>
+            <a:r>
+              <a:rPr>
+                <a:latin typeface="Courier"/>
+              </a:rPr>
+              <a:t>Reddit</a:t>
+            </a:r>
+            <a:r>
+              <a:rPr/>
+              <a:t>)</a:t>
+            </a:r>
+          </a:p>
+          <a:p>
+            <a:pPr lvl="0"/>
+            <a:r>
+              <a:rPr/>
+              <a:t>Specific but plays nicely with other tools (bibliography, export)</a:t>
             </a:r>
           </a:p>
         </p:txBody>
@@ -3325,6 +3335,790 @@
 </file>
 
 <file path=ppt/slides/slide11.xml><?xml version="1.0" encoding="utf-8"?>
+<p:sld xmlns:a="http://schemas.openxmlformats.org/drawingml/2006/main" xmlns:r="http://schemas.openxmlformats.org/officeDocument/2006/relationships" xmlns:p="http://schemas.openxmlformats.org/presentationml/2006/main">
+  <p:cSld>
+    <p:spTree>
+      <p:nvGrpSpPr>
+        <p:cNvPr id="1" name=""/>
+        <p:cNvGrpSpPr/>
+        <p:nvPr/>
+      </p:nvGrpSpPr>
+      <p:grpSpPr>
+        <a:xfrm>
+          <a:off x="0" y="0"/>
+          <a:ext cx="0" cy="0"/>
+          <a:chOff x="0" y="0"/>
+          <a:chExt cx="0" cy="0"/>
+        </a:xfrm>
+      </p:grpSpPr>
+      <p:sp>
+        <p:nvSpPr>
+          <p:cNvPr id="2" name="Title 1"/>
+          <p:cNvSpPr>
+            <a:spLocks noGrp="1"/>
+          </p:cNvSpPr>
+          <p:nvPr>
+            <p:ph type="title"/>
+          </p:nvPr>
+        </p:nvSpPr>
+        <p:spPr/>
+        <p:txBody>
+          <a:bodyPr/>
+          <a:lstStyle/>
+          <a:p>
+            <a:pPr lvl="0" indent="0" marL="0">
+              <a:buNone/>
+            </a:pPr>
+            <a:r>
+              <a:rPr/>
+              <a:t>Install </a:t>
+            </a:r>
+            <a:r>
+              <a:rPr>
+                <a:latin typeface="Courier"/>
+              </a:rPr>
+              <a:t>Zettlr</a:t>
+            </a:r>
+          </a:p>
+        </p:txBody>
+      </p:sp>
+      <p:sp>
+        <p:nvSpPr>
+          <p:cNvPr id="3" name="Content Placeholder 2"/>
+          <p:cNvSpPr>
+            <a:spLocks noGrp="1"/>
+          </p:cNvSpPr>
+          <p:nvPr>
+            <p:ph idx="1"/>
+          </p:nvPr>
+        </p:nvSpPr>
+        <p:spPr/>
+        <p:txBody>
+          <a:bodyPr/>
+          <a:lstStyle/>
+          <a:p>
+            <a:pPr lvl="0"/>
+            <a:r>
+              <a:rPr/>
+              <a:t>Simply go to the official website: </a:t>
+            </a:r>
+            <a:r>
+              <a:rPr>
+                <a:hlinkClick r:id="rId2"/>
+              </a:rPr>
+              <a:t>zettlr.com/download</a:t>
+            </a:r>
+          </a:p>
+          <a:p>
+            <a:pPr lvl="0"/>
+            <a:r>
+              <a:rPr/>
+              <a:t>Install and open it.</a:t>
+            </a:r>
+          </a:p>
+          <a:p>
+            <a:pPr lvl="0"/>
+            <a:r>
+              <a:rPr/>
+              <a:t>If you write academic articles, you will need </a:t>
+            </a:r>
+            <a:r>
+              <a:rPr>
+                <a:latin typeface="Courier"/>
+              </a:rPr>
+              <a:t>LaTeX</a:t>
+            </a:r>
+            <a:r>
+              <a:rPr/>
+              <a:t> at some point. Simply use </a:t>
+            </a:r>
+            <a:r>
+              <a:rPr>
+                <a:latin typeface="Courier"/>
+              </a:rPr>
+              <a:t>MikTeX</a:t>
+            </a:r>
+            <a:r>
+              <a:rPr/>
+              <a:t> (this is not the point today).</a:t>
+            </a:r>
+          </a:p>
+        </p:txBody>
+      </p:sp>
+    </p:spTree>
+  </p:cSld>
+</p:sld>
+</file>
+
+<file path=ppt/slides/slide12.xml><?xml version="1.0" encoding="utf-8"?>
+<p:sld xmlns:a="http://schemas.openxmlformats.org/drawingml/2006/main" xmlns:r="http://schemas.openxmlformats.org/officeDocument/2006/relationships" xmlns:p="http://schemas.openxmlformats.org/presentationml/2006/main">
+  <p:cSld>
+    <p:spTree>
+      <p:nvGrpSpPr>
+        <p:cNvPr id="1" name=""/>
+        <p:cNvGrpSpPr/>
+        <p:nvPr/>
+      </p:nvGrpSpPr>
+      <p:grpSpPr>
+        <a:xfrm>
+          <a:off x="0" y="0"/>
+          <a:ext cx="0" cy="0"/>
+          <a:chOff x="0" y="0"/>
+          <a:chExt cx="0" cy="0"/>
+        </a:xfrm>
+      </p:grpSpPr>
+      <p:sp>
+        <p:nvSpPr>
+          <p:cNvPr id="2" name="Title 1"/>
+          <p:cNvSpPr>
+            <a:spLocks noGrp="1"/>
+          </p:cNvSpPr>
+          <p:nvPr>
+            <p:ph type="title"/>
+          </p:nvPr>
+        </p:nvSpPr>
+        <p:spPr/>
+        <p:txBody>
+          <a:bodyPr/>
+          <a:lstStyle/>
+          <a:p>
+            <a:pPr lvl="0" indent="0" marL="0">
+              <a:buNone/>
+            </a:pPr>
+            <a:r>
+              <a:rPr>
+                <a:latin typeface="Courier"/>
+              </a:rPr>
+              <a:t>Markdown</a:t>
+            </a:r>
+            <a:r>
+              <a:rPr/>
+              <a:t> syntax</a:t>
+            </a:r>
+          </a:p>
+        </p:txBody>
+      </p:sp>
+      <p:sp>
+        <p:nvSpPr>
+          <p:cNvPr id="3" name="Content Placeholder 2"/>
+          <p:cNvSpPr>
+            <a:spLocks noGrp="1"/>
+          </p:cNvSpPr>
+          <p:nvPr>
+            <p:ph idx="1"/>
+          </p:nvPr>
+        </p:nvSpPr>
+        <p:spPr/>
+        <p:txBody>
+          <a:bodyPr/>
+          <a:lstStyle/>
+          <a:p>
+            <a:pPr lvl="0"/>
+            <a:r>
+              <a:rPr>
+                <a:latin typeface="Courier"/>
+              </a:rPr>
+              <a:t># Section heading</a:t>
+            </a:r>
+          </a:p>
+          <a:p>
+            <a:pPr lvl="1" indent="0" marL="342900">
+              <a:buNone/>
+            </a:pPr>
+            <a:r>
+              <a:rPr>
+                <a:latin typeface="Courier"/>
+              </a:rPr>
+              <a:t>## Subsection heading</a:t>
+            </a:r>
+            <a:r>
+              <a:rPr/>
+              <a:t>…</a:t>
+            </a:r>
+          </a:p>
+          <a:p>
+            <a:pPr lvl="0"/>
+            <a:r>
+              <a:rPr/>
+              <a:t>This is </a:t>
+            </a:r>
+            <a:r>
+              <a:rPr>
+                <a:latin typeface="Courier"/>
+              </a:rPr>
+              <a:t>_emphasized_</a:t>
+            </a:r>
+            <a:r>
+              <a:rPr/>
+              <a:t> and this is </a:t>
+            </a:r>
+            <a:r>
+              <a:rPr>
+                <a:latin typeface="Courier"/>
+              </a:rPr>
+              <a:t>**strong**</a:t>
+            </a:r>
+          </a:p>
+          <a:p>
+            <a:pPr lvl="0"/>
+            <a:r>
+              <a:rPr/>
+              <a:t>This is a </a:t>
+            </a:r>
+            <a:r>
+              <a:rPr>
+                <a:latin typeface="Courier"/>
+              </a:rPr>
+              <a:t>- List item</a:t>
+            </a:r>
+          </a:p>
+          <a:p>
+            <a:pPr lvl="0"/>
+            <a:r>
+              <a:rPr/>
+              <a:t>This is a </a:t>
+            </a:r>
+            <a:r>
+              <a:rPr>
+                <a:latin typeface="Courier"/>
+              </a:rPr>
+              <a:t>1. Numberred item</a:t>
+            </a:r>
+          </a:p>
+          <a:p>
+            <a:pPr lvl="0"/>
+            <a:r>
+              <a:rPr/>
+              <a:t>This is a </a:t>
+            </a:r>
+            <a:r>
+              <a:rPr>
+                <a:latin typeface="Courier"/>
+              </a:rPr>
+              <a:t>[link](https://zettlr.com)</a:t>
+            </a:r>
+          </a:p>
+          <a:p>
+            <a:pPr lvl="0"/>
+            <a:r>
+              <a:rPr/>
+              <a:t>This is an </a:t>
+            </a:r>
+            <a:r>
+              <a:rPr>
+                <a:latin typeface="Courier"/>
+              </a:rPr>
+              <a:t>![cute_cat.png](image)</a:t>
+            </a:r>
+          </a:p>
+          <a:p>
+            <a:pPr lvl="0"/>
+            <a:r>
+              <a:rPr>
+                <a:latin typeface="Courier"/>
+              </a:rPr>
+              <a:t>YAML</a:t>
+            </a:r>
+            <a:r>
+              <a:rPr/>
+              <a:t>: metadata and options</a:t>
+            </a:r>
+          </a:p>
+        </p:txBody>
+      </p:sp>
+    </p:spTree>
+  </p:cSld>
+</p:sld>
+</file>
+
+<file path=ppt/slides/slide13.xml><?xml version="1.0" encoding="utf-8"?>
+<p:sld xmlns:a="http://schemas.openxmlformats.org/drawingml/2006/main" xmlns:r="http://schemas.openxmlformats.org/officeDocument/2006/relationships" xmlns:p="http://schemas.openxmlformats.org/presentationml/2006/main">
+  <p:cSld>
+    <p:spTree>
+      <p:nvGrpSpPr>
+        <p:cNvPr id="1" name=""/>
+        <p:cNvGrpSpPr/>
+        <p:nvPr/>
+      </p:nvGrpSpPr>
+      <p:grpSpPr>
+        <a:xfrm>
+          <a:off x="0" y="0"/>
+          <a:ext cx="0" cy="0"/>
+          <a:chOff x="0" y="0"/>
+          <a:chExt cx="0" cy="0"/>
+        </a:xfrm>
+      </p:grpSpPr>
+      <p:sp>
+        <p:nvSpPr>
+          <p:cNvPr id="2" name="Title 1"/>
+          <p:cNvSpPr>
+            <a:spLocks noGrp="1"/>
+          </p:cNvSpPr>
+          <p:nvPr>
+            <p:ph type="title"/>
+          </p:nvPr>
+        </p:nvSpPr>
+        <p:spPr/>
+        <p:txBody>
+          <a:bodyPr/>
+          <a:lstStyle/>
+          <a:p>
+            <a:pPr lvl="0" indent="0" marL="0">
+              <a:buNone/>
+            </a:pPr>
+            <a:r>
+              <a:rPr/>
+              <a:t>Basics and Exporting</a:t>
+            </a:r>
+          </a:p>
+        </p:txBody>
+      </p:sp>
+      <p:sp>
+        <p:nvSpPr>
+          <p:cNvPr id="3" name="Content Placeholder 2"/>
+          <p:cNvSpPr>
+            <a:spLocks noGrp="1"/>
+          </p:cNvSpPr>
+          <p:nvPr>
+            <p:ph idx="1"/>
+          </p:nvPr>
+        </p:nvSpPr>
+        <p:spPr/>
+        <p:txBody>
+          <a:bodyPr/>
+          <a:lstStyle/>
+          <a:p>
+            <a:pPr lvl="0"/>
+            <a:r>
+              <a:rPr/>
+              <a:t>Create a new file</a:t>
+            </a:r>
+          </a:p>
+          <a:p>
+            <a:pPr lvl="0"/>
+            <a:r>
+              <a:rPr/>
+              <a:t>Fill it up with some headings and content.</a:t>
+            </a:r>
+          </a:p>
+          <a:p>
+            <a:pPr lvl="0"/>
+            <a:r>
+              <a:rPr/>
+              <a:t>You have some shortcut icons (e.g. links and images)</a:t>
+            </a:r>
+          </a:p>
+          <a:p>
+            <a:pPr lvl="0"/>
+            <a:r>
+              <a:rPr/>
+              <a:t>Left pane: files explorer</a:t>
+            </a:r>
+          </a:p>
+          <a:p>
+            <a:pPr lvl="0"/>
+            <a:r>
+              <a:rPr/>
+              <a:t>Right pane: outline and more</a:t>
+            </a:r>
+          </a:p>
+          <a:p>
+            <a:pPr lvl="0"/>
+            <a:r>
+              <a:rPr/>
+              <a:t>Export button: select one of the available formats (except </a:t>
+            </a:r>
+            <a:r>
+              <a:rPr>
+                <a:latin typeface="Courier"/>
+              </a:rPr>
+              <a:t>LaTeX</a:t>
+            </a:r>
+            <a:r>
+              <a:rPr/>
+              <a:t>)</a:t>
+            </a:r>
+          </a:p>
+        </p:txBody>
+      </p:sp>
+    </p:spTree>
+  </p:cSld>
+</p:sld>
+</file>
+
+<file path=ppt/slides/slide14.xml><?xml version="1.0" encoding="utf-8"?>
+<p:sld xmlns:a="http://schemas.openxmlformats.org/drawingml/2006/main" xmlns:r="http://schemas.openxmlformats.org/officeDocument/2006/relationships" xmlns:p="http://schemas.openxmlformats.org/presentationml/2006/main">
+  <p:cSld>
+    <p:spTree>
+      <p:nvGrpSpPr>
+        <p:cNvPr id="1" name=""/>
+        <p:cNvGrpSpPr/>
+        <p:nvPr/>
+      </p:nvGrpSpPr>
+      <p:grpSpPr>
+        <a:xfrm>
+          <a:off x="0" y="0"/>
+          <a:ext cx="0" cy="0"/>
+          <a:chOff x="0" y="0"/>
+          <a:chExt cx="0" cy="0"/>
+        </a:xfrm>
+      </p:grpSpPr>
+      <p:sp>
+        <p:nvSpPr>
+          <p:cNvPr id="2" name="Title 1"/>
+          <p:cNvSpPr>
+            <a:spLocks noGrp="1"/>
+          </p:cNvSpPr>
+          <p:nvPr>
+            <p:ph type="title"/>
+          </p:nvPr>
+        </p:nvSpPr>
+        <p:spPr>
+          <a:xfrm>
+            <a:off x="722313" y="3305176"/>
+            <a:ext cx="7772400" cy="1021556"/>
+          </a:xfrm>
+        </p:spPr>
+        <p:txBody>
+          <a:bodyPr/>
+          <a:lstStyle/>
+          <a:p>
+            <a:pPr lvl="0" indent="0" marL="0">
+              <a:buNone/>
+            </a:pPr>
+            <a:r>
+              <a:rPr/>
+              <a:t>Diving deeper</a:t>
+            </a:r>
+          </a:p>
+        </p:txBody>
+      </p:sp>
+    </p:spTree>
+  </p:cSld>
+</p:sld>
+</file>
+
+<file path=ppt/slides/slide15.xml><?xml version="1.0" encoding="utf-8"?>
+<p:sld xmlns:a="http://schemas.openxmlformats.org/drawingml/2006/main" xmlns:r="http://schemas.openxmlformats.org/officeDocument/2006/relationships" xmlns:p="http://schemas.openxmlformats.org/presentationml/2006/main">
+  <p:cSld>
+    <p:spTree>
+      <p:nvGrpSpPr>
+        <p:cNvPr id="1" name=""/>
+        <p:cNvGrpSpPr/>
+        <p:nvPr/>
+      </p:nvGrpSpPr>
+      <p:grpSpPr>
+        <a:xfrm>
+          <a:off x="0" y="0"/>
+          <a:ext cx="0" cy="0"/>
+          <a:chOff x="0" y="0"/>
+          <a:chExt cx="0" cy="0"/>
+        </a:xfrm>
+      </p:grpSpPr>
+      <p:sp>
+        <p:nvSpPr>
+          <p:cNvPr id="2" name="Title 1"/>
+          <p:cNvSpPr>
+            <a:spLocks noGrp="1"/>
+          </p:cNvSpPr>
+          <p:nvPr>
+            <p:ph type="title"/>
+          </p:nvPr>
+        </p:nvSpPr>
+        <p:spPr/>
+        <p:txBody>
+          <a:bodyPr/>
+          <a:lstStyle/>
+          <a:p>
+            <a:pPr lvl="0" indent="0" marL="0">
+              <a:buNone/>
+            </a:pPr>
+            <a:r>
+              <a:rPr/>
+              <a:t>Key skills in PKM</a:t>
+            </a:r>
+          </a:p>
+        </p:txBody>
+      </p:sp>
+      <p:sp>
+        <p:nvSpPr>
+          <p:cNvPr id="3" name="Content Placeholder 2"/>
+          <p:cNvSpPr>
+            <a:spLocks noGrp="1"/>
+          </p:cNvSpPr>
+          <p:nvPr>
+            <p:ph idx="1"/>
+          </p:nvPr>
+        </p:nvSpPr>
+        <p:spPr/>
+        <p:txBody>
+          <a:bodyPr/>
+          <a:lstStyle/>
+          <a:p>
+            <a:pPr lvl="0"/>
+            <a:r>
+              <a:rPr/>
+              <a:t>Management</a:t>
+            </a:r>
+          </a:p>
+          <a:p>
+            <a:pPr lvl="0"/>
+            <a:r>
+              <a:rPr/>
+              <a:t>Lifelong learning</a:t>
+            </a:r>
+          </a:p>
+          <a:p>
+            <a:pPr lvl="0"/>
+            <a:r>
+              <a:rPr/>
+              <a:t>Communication and interpersonal skills</a:t>
+            </a:r>
+          </a:p>
+          <a:p>
+            <a:pPr lvl="0"/>
+            <a:r>
+              <a:rPr/>
+              <a:t>Technological fluency</a:t>
+            </a:r>
+          </a:p>
+          <a:p>
+            <a:pPr lvl="0"/>
+            <a:r>
+              <a:rPr/>
+              <a:t>Forecasting and anticipating</a:t>
+            </a:r>
+          </a:p>
+        </p:txBody>
+      </p:sp>
+    </p:spTree>
+  </p:cSld>
+</p:sld>
+</file>
+
+<file path=ppt/slides/slide16.xml><?xml version="1.0" encoding="utf-8"?>
+<p:sld xmlns:a="http://schemas.openxmlformats.org/drawingml/2006/main" xmlns:r="http://schemas.openxmlformats.org/officeDocument/2006/relationships" xmlns:p="http://schemas.openxmlformats.org/presentationml/2006/main">
+  <p:cSld>
+    <p:spTree>
+      <p:nvGrpSpPr>
+        <p:cNvPr id="1" name=""/>
+        <p:cNvGrpSpPr/>
+        <p:nvPr/>
+      </p:nvGrpSpPr>
+      <p:grpSpPr>
+        <a:xfrm>
+          <a:off x="0" y="0"/>
+          <a:ext cx="0" cy="0"/>
+          <a:chOff x="0" y="0"/>
+          <a:chExt cx="0" cy="0"/>
+        </a:xfrm>
+      </p:grpSpPr>
+      <p:sp>
+        <p:nvSpPr>
+          <p:cNvPr id="2" name="Title 1"/>
+          <p:cNvSpPr>
+            <a:spLocks noGrp="1"/>
+          </p:cNvSpPr>
+          <p:nvPr>
+            <p:ph type="title"/>
+          </p:nvPr>
+        </p:nvSpPr>
+        <p:spPr/>
+        <p:txBody>
+          <a:bodyPr/>
+          <a:lstStyle/>
+          <a:p>
+            <a:pPr lvl="0" indent="0" marL="0">
+              <a:buNone/>
+            </a:pPr>
+            <a:r>
+              <a:rPr/>
+              <a:t>Key skills in PKM (cont’d)</a:t>
+            </a:r>
+          </a:p>
+        </p:txBody>
+      </p:sp>
+      <p:sp>
+        <p:nvSpPr>
+          <p:cNvPr id="3" name="Content Placeholder 2"/>
+          <p:cNvSpPr>
+            <a:spLocks noGrp="1"/>
+          </p:cNvSpPr>
+          <p:nvPr>
+            <p:ph idx="1"/>
+          </p:nvPr>
+        </p:nvSpPr>
+        <p:spPr/>
+        <p:txBody>
+          <a:bodyPr/>
+          <a:lstStyle/>
+          <a:p>
+            <a:pPr lvl="0"/>
+            <a:r>
+              <a:rPr/>
+              <a:t>Use frameworks, models and conceptual tools to build upon your current KM practices.</a:t>
+            </a:r>
+          </a:p>
+          <a:p>
+            <a:pPr lvl="0"/>
+            <a:r>
+              <a:rPr/>
+              <a:t>Implement PKM strategies using digital technologies.</a:t>
+            </a:r>
+          </a:p>
+          <a:p>
+            <a:pPr lvl="0"/>
+            <a:r>
+              <a:rPr/>
+              <a:t>PKM practices are ultimately personal and evolving constructs.</a:t>
+            </a:r>
+          </a:p>
+          <a:p>
+            <a:pPr lvl="0"/>
+            <a:r>
+              <a:rPr/>
+              <a:t>Reflect about the process, iterate, exchange with others</a:t>
+            </a:r>
+          </a:p>
+        </p:txBody>
+      </p:sp>
+    </p:spTree>
+  </p:cSld>
+</p:sld>
+</file>
+
+<file path=ppt/slides/slide17.xml><?xml version="1.0" encoding="utf-8"?>
+<p:sld xmlns:a="http://schemas.openxmlformats.org/drawingml/2006/main" xmlns:r="http://schemas.openxmlformats.org/officeDocument/2006/relationships" xmlns:p="http://schemas.openxmlformats.org/presentationml/2006/main">
+  <p:cSld>
+    <p:spTree>
+      <p:nvGrpSpPr>
+        <p:cNvPr id="1" name=""/>
+        <p:cNvGrpSpPr/>
+        <p:nvPr/>
+      </p:nvGrpSpPr>
+      <p:grpSpPr>
+        <a:xfrm>
+          <a:off x="0" y="0"/>
+          <a:ext cx="0" cy="0"/>
+          <a:chOff x="0" y="0"/>
+          <a:chExt cx="0" cy="0"/>
+        </a:xfrm>
+      </p:grpSpPr>
+      <p:sp>
+        <p:nvSpPr>
+          <p:cNvPr id="2" name="Title 1"/>
+          <p:cNvSpPr>
+            <a:spLocks noGrp="1"/>
+          </p:cNvSpPr>
+          <p:nvPr>
+            <p:ph type="title"/>
+          </p:nvPr>
+        </p:nvSpPr>
+        <p:spPr/>
+        <p:txBody>
+          <a:bodyPr/>
+          <a:lstStyle/>
+          <a:p>
+            <a:pPr lvl="0" indent="0" marL="0">
+              <a:buNone/>
+            </a:pPr>
+            <a:r>
+              <a:rPr/>
+              <a:t>Some concrete insights</a:t>
+            </a:r>
+          </a:p>
+        </p:txBody>
+      </p:sp>
+      <p:sp>
+        <p:nvSpPr>
+          <p:cNvPr id="3" name="Content Placeholder 2"/>
+          <p:cNvSpPr>
+            <a:spLocks noGrp="1"/>
+          </p:cNvSpPr>
+          <p:nvPr>
+            <p:ph idx="1"/>
+          </p:nvPr>
+        </p:nvSpPr>
+        <p:spPr/>
+        <p:txBody>
+          <a:bodyPr/>
+          <a:lstStyle/>
+          <a:p>
+            <a:pPr lvl="0"/>
+            <a:r>
+              <a:rPr/>
+              <a:t>Find an equilibrium between </a:t>
+            </a:r>
+            <a:r>
+              <a:rPr i="1"/>
+              <a:t>content consumption</a:t>
+            </a:r>
+            <a:r>
+              <a:rPr/>
+              <a:t> and </a:t>
+            </a:r>
+            <a:r>
+              <a:rPr i="1"/>
+              <a:t>content creation</a:t>
+            </a:r>
+          </a:p>
+          <a:p>
+            <a:pPr lvl="0"/>
+            <a:r>
+              <a:rPr/>
+              <a:t>Move from </a:t>
+            </a:r>
+            <a:r>
+              <a:rPr i="1"/>
+              <a:t>note-taking</a:t>
+            </a:r>
+            <a:r>
+              <a:rPr/>
+              <a:t> to </a:t>
+            </a:r>
+            <a:r>
+              <a:rPr i="1"/>
+              <a:t>note-making</a:t>
+            </a:r>
+            <a:r>
+              <a:rPr/>
+              <a:t>: think about your notes, not just their content</a:t>
+            </a:r>
+          </a:p>
+          <a:p>
+            <a:pPr lvl="0"/>
+            <a:r>
+              <a:rPr/>
+              <a:t>Showcase your learning: </a:t>
+            </a:r>
+            <a:r>
+              <a:rPr i="1"/>
+              <a:t>learn in public</a:t>
+            </a:r>
+            <a:r>
+              <a:rPr/>
+              <a:t>, build a </a:t>
+            </a:r>
+            <a:r>
+              <a:rPr i="1"/>
+              <a:t>digital garden</a:t>
+            </a:r>
+          </a:p>
+          <a:p>
+            <a:pPr lvl="0"/>
+            <a:r>
+              <a:rPr/>
+              <a:t>View digital tools as opportunities to design new workflows</a:t>
+            </a:r>
+          </a:p>
+        </p:txBody>
+      </p:sp>
+    </p:spTree>
+  </p:cSld>
+</p:sld>
+</file>
+
+<file path=ppt/slides/slide18.xml><?xml version="1.0" encoding="utf-8"?>
 <p:sld xmlns:a="http://schemas.openxmlformats.org/drawingml/2006/main" xmlns:r="http://schemas.openxmlformats.org/officeDocument/2006/relationships" xmlns:p="http://schemas.openxmlformats.org/presentationml/2006/main">
   <p:cSld>
     <p:spTree>
@@ -3431,7 +4225,7 @@
 </p:sld>
 </file>
 
-<file path=ppt/slides/slide12.xml><?xml version="1.0" encoding="utf-8"?>
+<file path=ppt/slides/slide19.xml><?xml version="1.0" encoding="utf-8"?>
 <p:sld xmlns:a="http://schemas.openxmlformats.org/drawingml/2006/main" xmlns:r="http://schemas.openxmlformats.org/officeDocument/2006/relationships" xmlns:p="http://schemas.openxmlformats.org/presentationml/2006/main">
   <p:cSld>
     <p:spTree>
@@ -3478,7 +4272,7 @@
 </p:sld>
 </file>
 
-<file path=ppt/slides/slide13.xml><?xml version="1.0" encoding="utf-8"?>
+<file path=ppt/slides/slide2.xml><?xml version="1.0" encoding="utf-8"?>
 <p:sld xmlns:a="http://schemas.openxmlformats.org/drawingml/2006/main" xmlns:r="http://schemas.openxmlformats.org/officeDocument/2006/relationships" xmlns:p="http://schemas.openxmlformats.org/presentationml/2006/main">
   <p:cSld>
     <p:spTree>
@@ -3505,7 +4299,12 @@
             <p:ph type="title"/>
           </p:nvPr>
         </p:nvSpPr>
-        <p:spPr/>
+        <p:spPr>
+          <a:xfrm>
+            <a:off x="722313" y="3305176"/>
+            <a:ext cx="7772400" cy="1021556"/>
+          </a:xfrm>
+        </p:spPr>
         <p:txBody>
           <a:bodyPr/>
           <a:lstStyle/>
@@ -3515,67 +4314,7 @@
             </a:pPr>
             <a:r>
               <a:rPr/>
-              <a:t>The GUSC model in more details</a:t>
-            </a:r>
-          </a:p>
-        </p:txBody>
-      </p:sp>
-      <p:sp>
-        <p:nvSpPr>
-          <p:cNvPr id="3" name="Content Placeholder 2"/>
-          <p:cNvSpPr>
-            <a:spLocks noGrp="1"/>
-          </p:cNvSpPr>
-          <p:nvPr>
-            <p:ph idx="1"/>
-          </p:nvPr>
-        </p:nvSpPr>
-        <p:spPr/>
-        <p:txBody>
-          <a:bodyPr/>
-          <a:lstStyle/>
-          <a:p>
-            <a:pPr lvl="0"/>
-            <a:r>
-              <a:rPr b="1"/>
-              <a:t>Get</a:t>
-            </a:r>
-            <a:r>
-              <a:rPr/>
-              <a:t>: gather information from different sources</a:t>
-            </a:r>
-          </a:p>
-          <a:p>
-            <a:pPr lvl="0"/>
-            <a:r>
-              <a:rPr b="1"/>
-              <a:t>Understand</a:t>
-            </a:r>
-            <a:r>
-              <a:rPr/>
-              <a:t>: interpret, combine information into a (personal) whole</a:t>
-            </a:r>
-          </a:p>
-          <a:p>
-            <a:pPr lvl="0"/>
-            <a:r>
-              <a:rPr b="1"/>
-              <a:t>Share</a:t>
-            </a:r>
-            <a:r>
-              <a:rPr/>
-              <a:t>: produce artifacts to make the learning process visible</a:t>
-            </a:r>
-          </a:p>
-          <a:p>
-            <a:pPr lvl="0"/>
-            <a:r>
-              <a:rPr b="1"/>
-              <a:t>Connect</a:t>
-            </a:r>
-            <a:r>
-              <a:rPr/>
-              <a:t>: collaborate and exchange with others</a:t>
+              <a:t>Goal and overview</a:t>
             </a:r>
           </a:p>
         </p:txBody>
@@ -3585,7 +4324,7 @@
 </p:sld>
 </file>
 
-<file path=ppt/slides/slide14.xml><?xml version="1.0" encoding="utf-8"?>
+<file path=ppt/slides/slide20.xml><?xml version="1.0" encoding="utf-8"?>
 <p:sld xmlns:a="http://schemas.openxmlformats.org/drawingml/2006/main" xmlns:r="http://schemas.openxmlformats.org/officeDocument/2006/relationships" xmlns:p="http://schemas.openxmlformats.org/presentationml/2006/main">
   <p:cSld>
     <p:spTree>
@@ -3622,7 +4361,7 @@
             </a:pPr>
             <a:r>
               <a:rPr/>
-              <a:t>A plethora of tools</a:t>
+              <a:t>The GUSC model in more details</a:t>
             </a:r>
           </a:p>
         </p:txBody>
@@ -3642,141 +4381,47 @@
           <a:bodyPr/>
           <a:lstStyle/>
           <a:p>
-            <a:pPr lvl="0" indent="0" marL="0">
-              <a:buNone/>
-            </a:pPr>
-            <a:r>
-              <a:rPr>
-                <a:latin typeface="Courier"/>
-              </a:rPr>
-              <a:t>Notion</a:t>
-            </a:r>
-            <a:r>
-              <a:rPr/>
-              <a:t>, </a:t>
-            </a:r>
-            <a:r>
-              <a:rPr>
-                <a:latin typeface="Courier"/>
-              </a:rPr>
-              <a:t>Roam</a:t>
-            </a:r>
-            <a:r>
-              <a:rPr/>
-              <a:t>, </a:t>
-            </a:r>
-            <a:r>
-              <a:rPr>
-                <a:latin typeface="Courier"/>
-              </a:rPr>
-              <a:t>Tana</a:t>
-            </a:r>
-            <a:r>
-              <a:rPr/>
-              <a:t>, </a:t>
-            </a:r>
-            <a:r>
-              <a:rPr>
-                <a:latin typeface="Courier"/>
-              </a:rPr>
-              <a:t>Obsidian</a:t>
-            </a:r>
-            <a:r>
-              <a:rPr/>
-              <a:t>, </a:t>
-            </a:r>
-            <a:r>
-              <a:rPr>
-                <a:latin typeface="Courier"/>
-              </a:rPr>
-              <a:t>Logseq</a:t>
-            </a:r>
-            <a:r>
-              <a:rPr/>
-              <a:t>, </a:t>
-            </a:r>
-            <a:r>
-              <a:rPr>
-                <a:latin typeface="Courier"/>
-              </a:rPr>
-              <a:t>AnyType</a:t>
-            </a:r>
-            <a:r>
-              <a:rPr/>
-              <a:t>, </a:t>
-            </a:r>
-            <a:r>
-              <a:rPr>
-                <a:latin typeface="Courier"/>
-              </a:rPr>
-              <a:t>Affine</a:t>
-            </a:r>
-            <a:r>
-              <a:rPr/>
-              <a:t>, </a:t>
-            </a:r>
-            <a:r>
-              <a:rPr>
-                <a:latin typeface="Courier"/>
-              </a:rPr>
-              <a:t>TiddlyWiki</a:t>
-            </a:r>
-            <a:r>
-              <a:rPr/>
-              <a:t>, </a:t>
-            </a:r>
-            <a:r>
-              <a:rPr>
-                <a:latin typeface="Courier"/>
-              </a:rPr>
-              <a:t>Zettlr</a:t>
-            </a:r>
-            <a:r>
-              <a:rPr/>
-              <a:t>…</a:t>
-            </a:r>
-          </a:p>
-          <a:p>
-            <a:pPr lvl="0"/>
-            <a:r>
-              <a:rPr/>
-              <a:t>Local vs Web-aware vs Web-based</a:t>
-            </a:r>
-          </a:p>
-          <a:p>
-            <a:pPr lvl="0"/>
-            <a:r>
-              <a:rPr/>
-              <a:t>FOSS vs Freeware vs Paid</a:t>
-            </a:r>
-          </a:p>
-          <a:p>
-            <a:pPr lvl="0"/>
-            <a:r>
-              <a:rPr/>
-              <a:t>Specific ↔ Extensible ↔ Malleable</a:t>
-            </a:r>
-          </a:p>
-          <a:p>
-            <a:pPr lvl="0"/>
-            <a:r>
-              <a:rPr/>
-              <a:t>User-friendly?</a:t>
-            </a:r>
-          </a:p>
-          <a:p>
-            <a:pPr lvl="0" indent="0" marL="0">
-              <a:buNone/>
-            </a:pPr>
-            <a:r>
-              <a:rPr/>
-              <a:t>→ We will use </a:t>
-            </a:r>
-            <a:r>
-              <a:rPr>
-                <a:latin typeface="Courier"/>
-              </a:rPr>
-              <a:t>Zettlr</a:t>
+            <a:pPr lvl="0"/>
+            <a:r>
+              <a:rPr b="1"/>
+              <a:t>Get</a:t>
+            </a:r>
+            <a:r>
+              <a:rPr/>
+              <a:t>: gather information from different sources</a:t>
+            </a:r>
+          </a:p>
+          <a:p>
+            <a:pPr lvl="0"/>
+            <a:r>
+              <a:rPr b="1"/>
+              <a:t>Understand</a:t>
+            </a:r>
+            <a:r>
+              <a:rPr/>
+              <a:t>: interpret, combine information into a (personal) whole</a:t>
+            </a:r>
+          </a:p>
+          <a:p>
+            <a:pPr lvl="0"/>
+            <a:r>
+              <a:rPr b="1"/>
+              <a:t>Share</a:t>
+            </a:r>
+            <a:r>
+              <a:rPr/>
+              <a:t>: produce artifacts to make the learning process visible</a:t>
+            </a:r>
+          </a:p>
+          <a:p>
+            <a:pPr lvl="0"/>
+            <a:r>
+              <a:rPr b="1"/>
+              <a:t>Connect</a:t>
+            </a:r>
+            <a:r>
+              <a:rPr/>
+              <a:t>: collaborate and exchange with others</a:t>
             </a:r>
           </a:p>
         </p:txBody>
@@ -3786,7 +4431,7 @@
 </p:sld>
 </file>
 
-<file path=ppt/slides/slide15.xml><?xml version="1.0" encoding="utf-8"?>
+<file path=ppt/slides/slide21.xml><?xml version="1.0" encoding="utf-8"?>
 <p:sld xmlns:a="http://schemas.openxmlformats.org/drawingml/2006/main" xmlns:r="http://schemas.openxmlformats.org/officeDocument/2006/relationships" xmlns:p="http://schemas.openxmlformats.org/presentationml/2006/main">
   <p:cSld>
     <p:spTree>
@@ -3823,7 +4468,7 @@
             </a:pPr>
             <a:r>
               <a:rPr/>
-              <a:t>Advantages of plain text editing</a:t>
+              <a:t>Back to practice</a:t>
             </a:r>
           </a:p>
         </p:txBody>
@@ -3843,39 +4488,46 @@
           <a:bodyPr/>
           <a:lstStyle/>
           <a:p>
-            <a:pPr lvl="0"/>
-            <a:r>
-              <a:rPr/>
-              <a:t>Lightweight: you can work with just a simple text editor. You can store your files anywhere.</a:t>
-            </a:r>
-          </a:p>
-          <a:p>
-            <a:pPr lvl="0"/>
-            <a:r>
-              <a:rPr/>
-              <a:t>Easily readable and writable: a whole range of apps work with plain text. It is also easy to manipulate programmatically.</a:t>
-            </a:r>
-          </a:p>
-          <a:p>
-            <a:pPr lvl="0"/>
-            <a:r>
-              <a:rPr/>
-              <a:t>No lock-in: you can use your text files in different apps for different purposes. You can switch to a new app that better fits your needs seamlessly.</a:t>
-            </a:r>
-          </a:p>
-          <a:p>
-            <a:pPr lvl="0"/>
-            <a:r>
-              <a:rPr/>
-              <a:t>Teaches you about computing and the </a:t>
-            </a:r>
-            <a:r>
-              <a:rPr i="1"/>
-              <a:t>hacker mindset</a:t>
-            </a:r>
-            <a:r>
-              <a:rPr/>
-              <a:t> in a hands-on way.</a:t>
+            <a:pPr lvl="0" indent="0" marL="0">
+              <a:buNone/>
+            </a:pPr>
+            <a:r>
+              <a:rPr/>
+              <a:t>→ We will see how </a:t>
+            </a:r>
+            <a:r>
+              <a:rPr>
+                <a:latin typeface="Courier"/>
+              </a:rPr>
+              <a:t>Zettlr</a:t>
+            </a:r>
+            <a:r>
+              <a:rPr/>
+              <a:t> can help us implement strategies for the first 3 steps of the GUSC model (</a:t>
+            </a:r>
+            <a:r>
+              <a:rPr b="1"/>
+              <a:t>Get</a:t>
+            </a:r>
+            <a:r>
+              <a:rPr/>
+              <a:t>, </a:t>
+            </a:r>
+            <a:r>
+              <a:rPr b="1"/>
+              <a:t>Understand</a:t>
+            </a:r>
+            <a:r>
+              <a:rPr/>
+              <a:t>, </a:t>
+            </a:r>
+            <a:r>
+              <a:rPr b="1"/>
+              <a:t>Share</a:t>
+            </a:r>
+            <a:r>
+              <a:rPr/>
+              <a:t>).</a:t>
             </a:r>
           </a:p>
         </p:txBody>
@@ -3885,228 +4537,7 @@
 </p:sld>
 </file>
 
-<file path=ppt/slides/slide16.xml><?xml version="1.0" encoding="utf-8"?>
-<p:sld xmlns:a="http://schemas.openxmlformats.org/drawingml/2006/main" xmlns:r="http://schemas.openxmlformats.org/officeDocument/2006/relationships" xmlns:p="http://schemas.openxmlformats.org/presentationml/2006/main">
-  <p:cSld>
-    <p:spTree>
-      <p:nvGrpSpPr>
-        <p:cNvPr id="1" name=""/>
-        <p:cNvGrpSpPr/>
-        <p:nvPr/>
-      </p:nvGrpSpPr>
-      <p:grpSpPr>
-        <a:xfrm>
-          <a:off x="0" y="0"/>
-          <a:ext cx="0" cy="0"/>
-          <a:chOff x="0" y="0"/>
-          <a:chExt cx="0" cy="0"/>
-        </a:xfrm>
-      </p:grpSpPr>
-      <p:sp>
-        <p:nvSpPr>
-          <p:cNvPr id="2" name="Title 1"/>
-          <p:cNvSpPr>
-            <a:spLocks noGrp="1"/>
-          </p:cNvSpPr>
-          <p:nvPr>
-            <p:ph type="title"/>
-          </p:nvPr>
-        </p:nvSpPr>
-        <p:spPr>
-          <a:xfrm>
-            <a:off x="722313" y="3305176"/>
-            <a:ext cx="7772400" cy="1021556"/>
-          </a:xfrm>
-        </p:spPr>
-        <p:txBody>
-          <a:bodyPr/>
-          <a:lstStyle/>
-          <a:p>
-            <a:pPr lvl="0" indent="0" marL="0">
-              <a:buNone/>
-            </a:pPr>
-            <a:r>
-              <a:rPr/>
-              <a:t>How?</a:t>
-            </a:r>
-          </a:p>
-        </p:txBody>
-      </p:sp>
-    </p:spTree>
-  </p:cSld>
-</p:sld>
-</file>
-
-<file path=ppt/slides/slide17.xml><?xml version="1.0" encoding="utf-8"?>
-<p:sld xmlns:a="http://schemas.openxmlformats.org/drawingml/2006/main" xmlns:r="http://schemas.openxmlformats.org/officeDocument/2006/relationships" xmlns:p="http://schemas.openxmlformats.org/presentationml/2006/main">
-  <p:cSld>
-    <p:spTree>
-      <p:nvGrpSpPr>
-        <p:cNvPr id="1" name=""/>
-        <p:cNvGrpSpPr/>
-        <p:nvPr/>
-      </p:nvGrpSpPr>
-      <p:grpSpPr>
-        <a:xfrm>
-          <a:off x="0" y="0"/>
-          <a:ext cx="0" cy="0"/>
-          <a:chOff x="0" y="0"/>
-          <a:chExt cx="0" cy="0"/>
-        </a:xfrm>
-      </p:grpSpPr>
-      <p:sp>
-        <p:nvSpPr>
-          <p:cNvPr id="2" name="Title 1"/>
-          <p:cNvSpPr>
-            <a:spLocks noGrp="1"/>
-          </p:cNvSpPr>
-          <p:nvPr>
-            <p:ph type="title"/>
-          </p:nvPr>
-        </p:nvSpPr>
-        <p:spPr/>
-        <p:txBody>
-          <a:bodyPr/>
-          <a:lstStyle/>
-          <a:p>
-            <a:pPr lvl="0" indent="0" marL="0">
-              <a:buNone/>
-            </a:pPr>
-            <a:r>
-              <a:rPr/>
-              <a:t>Goal</a:t>
-            </a:r>
-          </a:p>
-        </p:txBody>
-      </p:sp>
-      <p:sp>
-        <p:nvSpPr>
-          <p:cNvPr id="3" name="Content Placeholder 2"/>
-          <p:cNvSpPr>
-            <a:spLocks noGrp="1"/>
-          </p:cNvSpPr>
-          <p:nvPr>
-            <p:ph idx="1"/>
-          </p:nvPr>
-        </p:nvSpPr>
-        <p:spPr/>
-        <p:txBody>
-          <a:bodyPr/>
-          <a:lstStyle/>
-          <a:p>
-            <a:pPr lvl="0" indent="0" marL="0">
-              <a:buNone/>
-            </a:pPr>
-            <a:r>
-              <a:rPr/>
-              <a:t>→ We will see how </a:t>
-            </a:r>
-            <a:r>
-              <a:rPr>
-                <a:latin typeface="Courier"/>
-              </a:rPr>
-              <a:t>Zettlr</a:t>
-            </a:r>
-            <a:r>
-              <a:rPr/>
-              <a:t> can help us implement strategies for the first 3 steps of the GUSC model (</a:t>
-            </a:r>
-            <a:r>
-              <a:rPr b="1"/>
-              <a:t>Get</a:t>
-            </a:r>
-            <a:r>
-              <a:rPr/>
-              <a:t>, </a:t>
-            </a:r>
-            <a:r>
-              <a:rPr b="1"/>
-              <a:t>Understand</a:t>
-            </a:r>
-            <a:r>
-              <a:rPr/>
-              <a:t>, </a:t>
-            </a:r>
-            <a:r>
-              <a:rPr b="1"/>
-              <a:t>Share</a:t>
-            </a:r>
-            <a:r>
-              <a:rPr/>
-              <a:t>).</a:t>
-            </a:r>
-          </a:p>
-          <a:p>
-            <a:pPr lvl="0" indent="0" marL="0">
-              <a:buNone/>
-            </a:pPr>
-            <a:r>
-              <a:rPr>
-                <a:latin typeface="Courier"/>
-              </a:rPr>
-              <a:t>Zettlr</a:t>
-            </a:r>
-            <a:r>
-              <a:rPr/>
-              <a:t> is:</a:t>
-            </a:r>
-          </a:p>
-          <a:p>
-            <a:pPr lvl="0"/>
-            <a:r>
-              <a:rPr/>
-              <a:t>Free and Open-Source</a:t>
-            </a:r>
-          </a:p>
-          <a:p>
-            <a:pPr lvl="0"/>
-            <a:r>
-              <a:rPr/>
-              <a:t>Web-aware</a:t>
-            </a:r>
-          </a:p>
-          <a:p>
-            <a:pPr lvl="0"/>
-            <a:r>
-              <a:rPr/>
-              <a:t>Supported by a community (</a:t>
-            </a:r>
-            <a:r>
-              <a:rPr>
-                <a:latin typeface="Courier"/>
-              </a:rPr>
-              <a:t>Discord</a:t>
-            </a:r>
-            <a:r>
-              <a:rPr/>
-              <a:t>, </a:t>
-            </a:r>
-            <a:r>
-              <a:rPr>
-                <a:latin typeface="Courier"/>
-              </a:rPr>
-              <a:t>Reddit</a:t>
-            </a:r>
-            <a:r>
-              <a:rPr/>
-              <a:t>)</a:t>
-            </a:r>
-          </a:p>
-          <a:p>
-            <a:pPr lvl="0"/>
-            <a:r>
-              <a:rPr/>
-              <a:t>Specific but plays nicely with other tools (bibliography, export)</a:t>
-            </a:r>
-          </a:p>
-        </p:txBody>
-      </p:sp>
-    </p:spTree>
-  </p:cSld>
-</p:sld>
-</file>
-
-<file path=ppt/slides/slide18.xml><?xml version="1.0" encoding="utf-8"?>
+<file path=ppt/slides/slide22.xml><?xml version="1.0" encoding="utf-8"?>
 <p:sld xmlns:a="http://schemas.openxmlformats.org/drawingml/2006/main" xmlns:r="http://schemas.openxmlformats.org/officeDocument/2006/relationships" xmlns:p="http://schemas.openxmlformats.org/presentationml/2006/main">
   <p:cSld>
     <p:spTree>
@@ -4189,668 +4620,6 @@
 </p:sld>
 </file>
 
-<file path=ppt/slides/slide19.xml><?xml version="1.0" encoding="utf-8"?>
-<p:sld xmlns:a="http://schemas.openxmlformats.org/drawingml/2006/main" xmlns:r="http://schemas.openxmlformats.org/officeDocument/2006/relationships" xmlns:p="http://schemas.openxmlformats.org/presentationml/2006/main">
-  <p:cSld>
-    <p:spTree>
-      <p:nvGrpSpPr>
-        <p:cNvPr id="1" name=""/>
-        <p:cNvGrpSpPr/>
-        <p:nvPr/>
-      </p:nvGrpSpPr>
-      <p:grpSpPr>
-        <a:xfrm>
-          <a:off x="0" y="0"/>
-          <a:ext cx="0" cy="0"/>
-          <a:chOff x="0" y="0"/>
-          <a:chExt cx="0" cy="0"/>
-        </a:xfrm>
-      </p:grpSpPr>
-      <p:sp>
-        <p:nvSpPr>
-          <p:cNvPr id="2" name="Title 1"/>
-          <p:cNvSpPr>
-            <a:spLocks noGrp="1"/>
-          </p:cNvSpPr>
-          <p:nvPr>
-            <p:ph type="title"/>
-          </p:nvPr>
-        </p:nvSpPr>
-        <p:spPr/>
-        <p:txBody>
-          <a:bodyPr/>
-          <a:lstStyle/>
-          <a:p>
-            <a:pPr lvl="0" indent="0" marL="0">
-              <a:buNone/>
-            </a:pPr>
-            <a:r>
-              <a:rPr/>
-              <a:t>Install </a:t>
-            </a:r>
-            <a:r>
-              <a:rPr>
-                <a:latin typeface="Courier"/>
-              </a:rPr>
-              <a:t>Zettlr</a:t>
-            </a:r>
-          </a:p>
-        </p:txBody>
-      </p:sp>
-      <p:sp>
-        <p:nvSpPr>
-          <p:cNvPr id="3" name="Content Placeholder 2"/>
-          <p:cNvSpPr>
-            <a:spLocks noGrp="1"/>
-          </p:cNvSpPr>
-          <p:nvPr>
-            <p:ph idx="1"/>
-          </p:nvPr>
-        </p:nvSpPr>
-        <p:spPr/>
-        <p:txBody>
-          <a:bodyPr/>
-          <a:lstStyle/>
-          <a:p>
-            <a:pPr lvl="0"/>
-            <a:r>
-              <a:rPr/>
-              <a:t>Simply go to the official website: </a:t>
-            </a:r>
-            <a:r>
-              <a:rPr>
-                <a:hlinkClick r:id="rId2"/>
-              </a:rPr>
-              <a:t>zettlr.com/download</a:t>
-            </a:r>
-          </a:p>
-          <a:p>
-            <a:pPr lvl="0"/>
-            <a:r>
-              <a:rPr/>
-              <a:t>Install and open it.</a:t>
-            </a:r>
-          </a:p>
-          <a:p>
-            <a:pPr lvl="0"/>
-            <a:r>
-              <a:rPr/>
-              <a:t>If you write academic articles, you will need </a:t>
-            </a:r>
-            <a:r>
-              <a:rPr>
-                <a:latin typeface="Courier"/>
-              </a:rPr>
-              <a:t>LaTeX</a:t>
-            </a:r>
-            <a:r>
-              <a:rPr/>
-              <a:t> at some point. Simply use </a:t>
-            </a:r>
-            <a:r>
-              <a:rPr>
-                <a:latin typeface="Courier"/>
-              </a:rPr>
-              <a:t>MikTeX</a:t>
-            </a:r>
-            <a:r>
-              <a:rPr/>
-              <a:t> (this is not the point today).</a:t>
-            </a:r>
-          </a:p>
-        </p:txBody>
-      </p:sp>
-    </p:spTree>
-  </p:cSld>
-</p:sld>
-</file>
-
-<file path=ppt/slides/slide2.xml><?xml version="1.0" encoding="utf-8"?>
-<p:sld xmlns:a="http://schemas.openxmlformats.org/drawingml/2006/main" xmlns:r="http://schemas.openxmlformats.org/officeDocument/2006/relationships" xmlns:p="http://schemas.openxmlformats.org/presentationml/2006/main">
-  <p:cSld>
-    <p:spTree>
-      <p:nvGrpSpPr>
-        <p:cNvPr id="1" name=""/>
-        <p:cNvGrpSpPr/>
-        <p:nvPr/>
-      </p:nvGrpSpPr>
-      <p:grpSpPr>
-        <a:xfrm>
-          <a:off x="0" y="0"/>
-          <a:ext cx="0" cy="0"/>
-          <a:chOff x="0" y="0"/>
-          <a:chExt cx="0" cy="0"/>
-        </a:xfrm>
-      </p:grpSpPr>
-      <p:sp>
-        <p:nvSpPr>
-          <p:cNvPr id="2" name="Title 1"/>
-          <p:cNvSpPr>
-            <a:spLocks noGrp="1"/>
-          </p:cNvSpPr>
-          <p:nvPr>
-            <p:ph type="title"/>
-          </p:nvPr>
-        </p:nvSpPr>
-        <p:spPr>
-          <a:xfrm>
-            <a:off x="722313" y="3305176"/>
-            <a:ext cx="7772400" cy="1021556"/>
-          </a:xfrm>
-        </p:spPr>
-        <p:txBody>
-          <a:bodyPr/>
-          <a:lstStyle/>
-          <a:p>
-            <a:pPr lvl="0" indent="0" marL="0">
-              <a:buNone/>
-            </a:pPr>
-            <a:r>
-              <a:rPr/>
-              <a:t>Goal and overview</a:t>
-            </a:r>
-          </a:p>
-        </p:txBody>
-      </p:sp>
-    </p:spTree>
-  </p:cSld>
-</p:sld>
-</file>
-
-<file path=ppt/slides/slide20.xml><?xml version="1.0" encoding="utf-8"?>
-<p:sld xmlns:a="http://schemas.openxmlformats.org/drawingml/2006/main" xmlns:r="http://schemas.openxmlformats.org/officeDocument/2006/relationships" xmlns:p="http://schemas.openxmlformats.org/presentationml/2006/main">
-  <p:cSld>
-    <p:spTree>
-      <p:nvGrpSpPr>
-        <p:cNvPr id="1" name=""/>
-        <p:cNvGrpSpPr/>
-        <p:nvPr/>
-      </p:nvGrpSpPr>
-      <p:grpSpPr>
-        <a:xfrm>
-          <a:off x="0" y="0"/>
-          <a:ext cx="0" cy="0"/>
-          <a:chOff x="0" y="0"/>
-          <a:chExt cx="0" cy="0"/>
-        </a:xfrm>
-      </p:grpSpPr>
-      <p:sp>
-        <p:nvSpPr>
-          <p:cNvPr id="2" name="Title 1"/>
-          <p:cNvSpPr>
-            <a:spLocks noGrp="1"/>
-          </p:cNvSpPr>
-          <p:nvPr>
-            <p:ph type="title"/>
-          </p:nvPr>
-        </p:nvSpPr>
-        <p:spPr/>
-        <p:txBody>
-          <a:bodyPr/>
-          <a:lstStyle/>
-          <a:p>
-            <a:pPr lvl="0" indent="0" marL="0">
-              <a:buNone/>
-            </a:pPr>
-            <a:r>
-              <a:rPr>
-                <a:latin typeface="Courier"/>
-              </a:rPr>
-              <a:t>Markdown</a:t>
-            </a:r>
-            <a:r>
-              <a:rPr/>
-              <a:t> syntax</a:t>
-            </a:r>
-          </a:p>
-        </p:txBody>
-      </p:sp>
-      <p:sp>
-        <p:nvSpPr>
-          <p:cNvPr id="3" name="Content Placeholder 2"/>
-          <p:cNvSpPr>
-            <a:spLocks noGrp="1"/>
-          </p:cNvSpPr>
-          <p:nvPr>
-            <p:ph idx="1"/>
-          </p:nvPr>
-        </p:nvSpPr>
-        <p:spPr/>
-        <p:txBody>
-          <a:bodyPr/>
-          <a:lstStyle/>
-          <a:p>
-            <a:pPr lvl="0"/>
-            <a:r>
-              <a:rPr>
-                <a:latin typeface="Courier"/>
-              </a:rPr>
-              <a:t># Section heading</a:t>
-            </a:r>
-          </a:p>
-          <a:p>
-            <a:pPr lvl="1" indent="0" marL="342900">
-              <a:buNone/>
-            </a:pPr>
-            <a:r>
-              <a:rPr>
-                <a:latin typeface="Courier"/>
-              </a:rPr>
-              <a:t>## Subsection heading</a:t>
-            </a:r>
-            <a:r>
-              <a:rPr/>
-              <a:t>…</a:t>
-            </a:r>
-          </a:p>
-          <a:p>
-            <a:pPr lvl="0"/>
-            <a:r>
-              <a:rPr/>
-              <a:t>This is </a:t>
-            </a:r>
-            <a:r>
-              <a:rPr>
-                <a:latin typeface="Courier"/>
-              </a:rPr>
-              <a:t>_emphasized_</a:t>
-            </a:r>
-            <a:r>
-              <a:rPr/>
-              <a:t> and this is </a:t>
-            </a:r>
-            <a:r>
-              <a:rPr>
-                <a:latin typeface="Courier"/>
-              </a:rPr>
-              <a:t>**strong**</a:t>
-            </a:r>
-          </a:p>
-          <a:p>
-            <a:pPr lvl="0"/>
-            <a:r>
-              <a:rPr/>
-              <a:t>This is a </a:t>
-            </a:r>
-            <a:r>
-              <a:rPr>
-                <a:latin typeface="Courier"/>
-              </a:rPr>
-              <a:t>- List item</a:t>
-            </a:r>
-          </a:p>
-          <a:p>
-            <a:pPr lvl="0"/>
-            <a:r>
-              <a:rPr/>
-              <a:t>This is a </a:t>
-            </a:r>
-            <a:r>
-              <a:rPr>
-                <a:latin typeface="Courier"/>
-              </a:rPr>
-              <a:t>1. Numberred item</a:t>
-            </a:r>
-          </a:p>
-          <a:p>
-            <a:pPr lvl="0"/>
-            <a:r>
-              <a:rPr/>
-              <a:t>This is a </a:t>
-            </a:r>
-            <a:r>
-              <a:rPr>
-                <a:latin typeface="Courier"/>
-              </a:rPr>
-              <a:t>[link](https://zettlr.com)</a:t>
-            </a:r>
-          </a:p>
-          <a:p>
-            <a:pPr lvl="0"/>
-            <a:r>
-              <a:rPr/>
-              <a:t>This is an </a:t>
-            </a:r>
-            <a:r>
-              <a:rPr>
-                <a:latin typeface="Courier"/>
-              </a:rPr>
-              <a:t>![cute_cat.png](image)</a:t>
-            </a:r>
-          </a:p>
-          <a:p>
-            <a:pPr lvl="0"/>
-            <a:r>
-              <a:rPr>
-                <a:latin typeface="Courier"/>
-              </a:rPr>
-              <a:t>YAML</a:t>
-            </a:r>
-            <a:r>
-              <a:rPr/>
-              <a:t>: metadata and options</a:t>
-            </a:r>
-          </a:p>
-        </p:txBody>
-      </p:sp>
-    </p:spTree>
-  </p:cSld>
-</p:sld>
-</file>
-
-<file path=ppt/slides/slide21.xml><?xml version="1.0" encoding="utf-8"?>
-<p:sld xmlns:a="http://schemas.openxmlformats.org/drawingml/2006/main" xmlns:r="http://schemas.openxmlformats.org/officeDocument/2006/relationships" xmlns:p="http://schemas.openxmlformats.org/presentationml/2006/main">
-  <p:cSld>
-    <p:spTree>
-      <p:nvGrpSpPr>
-        <p:cNvPr id="1" name=""/>
-        <p:cNvGrpSpPr/>
-        <p:nvPr/>
-      </p:nvGrpSpPr>
-      <p:grpSpPr>
-        <a:xfrm>
-          <a:off x="0" y="0"/>
-          <a:ext cx="0" cy="0"/>
-          <a:chOff x="0" y="0"/>
-          <a:chExt cx="0" cy="0"/>
-        </a:xfrm>
-      </p:grpSpPr>
-      <p:sp>
-        <p:nvSpPr>
-          <p:cNvPr id="2" name="Title 1"/>
-          <p:cNvSpPr>
-            <a:spLocks noGrp="1"/>
-          </p:cNvSpPr>
-          <p:nvPr>
-            <p:ph type="title"/>
-          </p:nvPr>
-        </p:nvSpPr>
-        <p:spPr/>
-        <p:txBody>
-          <a:bodyPr/>
-          <a:lstStyle/>
-          <a:p>
-            <a:pPr lvl="0" indent="0" marL="0">
-              <a:buNone/>
-            </a:pPr>
-            <a:r>
-              <a:rPr/>
-              <a:t>Basics and Exporting</a:t>
-            </a:r>
-          </a:p>
-        </p:txBody>
-      </p:sp>
-      <p:sp>
-        <p:nvSpPr>
-          <p:cNvPr id="3" name="Content Placeholder 2"/>
-          <p:cNvSpPr>
-            <a:spLocks noGrp="1"/>
-          </p:cNvSpPr>
-          <p:nvPr>
-            <p:ph idx="1"/>
-          </p:nvPr>
-        </p:nvSpPr>
-        <p:spPr/>
-        <p:txBody>
-          <a:bodyPr/>
-          <a:lstStyle/>
-          <a:p>
-            <a:pPr lvl="0"/>
-            <a:r>
-              <a:rPr/>
-              <a:t>Create a new file</a:t>
-            </a:r>
-          </a:p>
-          <a:p>
-            <a:pPr lvl="0"/>
-            <a:r>
-              <a:rPr/>
-              <a:t>Fill it up with some headings and content.</a:t>
-            </a:r>
-          </a:p>
-          <a:p>
-            <a:pPr lvl="0"/>
-            <a:r>
-              <a:rPr/>
-              <a:t>You have some shortcut icons (e.g. links and images)</a:t>
-            </a:r>
-          </a:p>
-          <a:p>
-            <a:pPr lvl="0"/>
-            <a:r>
-              <a:rPr/>
-              <a:t>Left pane: files explorer</a:t>
-            </a:r>
-          </a:p>
-          <a:p>
-            <a:pPr lvl="0"/>
-            <a:r>
-              <a:rPr/>
-              <a:t>Right pane: outline and more</a:t>
-            </a:r>
-          </a:p>
-          <a:p>
-            <a:pPr lvl="0"/>
-            <a:r>
-              <a:rPr/>
-              <a:t>Export button: select one of the available formats (except </a:t>
-            </a:r>
-            <a:r>
-              <a:rPr>
-                <a:latin typeface="Courier"/>
-              </a:rPr>
-              <a:t>LaTeX</a:t>
-            </a:r>
-            <a:r>
-              <a:rPr/>
-              <a:t>)</a:t>
-            </a:r>
-          </a:p>
-        </p:txBody>
-      </p:sp>
-    </p:spTree>
-  </p:cSld>
-</p:sld>
-</file>
-
-<file path=ppt/slides/slide22.xml><?xml version="1.0" encoding="utf-8"?>
-<p:sld xmlns:a="http://schemas.openxmlformats.org/drawingml/2006/main" xmlns:r="http://schemas.openxmlformats.org/officeDocument/2006/relationships" xmlns:p="http://schemas.openxmlformats.org/presentationml/2006/main">
-  <p:cSld>
-    <p:spTree>
-      <p:nvGrpSpPr>
-        <p:cNvPr id="1" name=""/>
-        <p:cNvGrpSpPr/>
-        <p:nvPr/>
-      </p:nvGrpSpPr>
-      <p:grpSpPr>
-        <a:xfrm>
-          <a:off x="0" y="0"/>
-          <a:ext cx="0" cy="0"/>
-          <a:chOff x="0" y="0"/>
-          <a:chExt cx="0" cy="0"/>
-        </a:xfrm>
-      </p:grpSpPr>
-      <p:sp>
-        <p:nvSpPr>
-          <p:cNvPr id="2" name="Title 1"/>
-          <p:cNvSpPr>
-            <a:spLocks noGrp="1"/>
-          </p:cNvSpPr>
-          <p:nvPr>
-            <p:ph type="title"/>
-          </p:nvPr>
-        </p:nvSpPr>
-        <p:spPr/>
-        <p:txBody>
-          <a:bodyPr/>
-          <a:lstStyle/>
-          <a:p>
-            <a:pPr lvl="0" indent="0" marL="0">
-              <a:buNone/>
-            </a:pPr>
-            <a:r>
-              <a:rPr/>
-              <a:t>References: </a:t>
-            </a:r>
-            <a:r>
-              <a:rPr>
-                <a:latin typeface="Courier"/>
-              </a:rPr>
-              <a:t>Zotero</a:t>
-            </a:r>
-            <a:r>
-              <a:rPr/>
-              <a:t> + </a:t>
-            </a:r>
-            <a:r>
-              <a:rPr>
-                <a:latin typeface="Courier"/>
-              </a:rPr>
-              <a:t>Zettlr</a:t>
-            </a:r>
-          </a:p>
-        </p:txBody>
-      </p:sp>
-      <p:sp>
-        <p:nvSpPr>
-          <p:cNvPr id="3" name="Content Placeholder 2"/>
-          <p:cNvSpPr>
-            <a:spLocks noGrp="1"/>
-          </p:cNvSpPr>
-          <p:nvPr>
-            <p:ph idx="1"/>
-          </p:nvPr>
-        </p:nvSpPr>
-        <p:spPr/>
-        <p:txBody>
-          <a:bodyPr/>
-          <a:lstStyle/>
-          <a:p>
-            <a:pPr lvl="0" indent="-342900" marL="342900">
-              <a:buAutoNum type="arabicPeriod"/>
-            </a:pPr>
-            <a:r>
-              <a:rPr/>
-              <a:t>Install </a:t>
-            </a:r>
-            <a:r>
-              <a:rPr>
-                <a:latin typeface="Courier"/>
-              </a:rPr>
-              <a:t>Zotero</a:t>
-            </a:r>
-            <a:r>
-              <a:rPr/>
-              <a:t>. You will manage all your references from here.</a:t>
-            </a:r>
-          </a:p>
-          <a:p>
-            <a:pPr lvl="0" indent="-342900" marL="342900">
-              <a:buAutoNum type="arabicPeriod"/>
-            </a:pPr>
-            <a:r>
-              <a:rPr/>
-              <a:t>Install the </a:t>
-            </a:r>
-            <a:r>
-              <a:rPr>
-                <a:latin typeface="Courier"/>
-              </a:rPr>
-              <a:t>BetterBibTeX</a:t>
-            </a:r>
-            <a:r>
-              <a:rPr/>
-              <a:t> plugin for </a:t>
-            </a:r>
-            <a:r>
-              <a:rPr>
-                <a:latin typeface="Courier"/>
-              </a:rPr>
-              <a:t>Zotero</a:t>
-            </a:r>
-          </a:p>
-          <a:p>
-            <a:pPr lvl="0" indent="-342900" marL="342900">
-              <a:buAutoNum type="arabicPeriod"/>
-            </a:pPr>
-            <a:r>
-              <a:rPr/>
-              <a:t>Export your </a:t>
-            </a:r>
-            <a:r>
-              <a:rPr>
-                <a:latin typeface="Courier"/>
-              </a:rPr>
-              <a:t>Zotero</a:t>
-            </a:r>
-            <a:r>
-              <a:rPr/>
-              <a:t> library</a:t>
-            </a:r>
-          </a:p>
-          <a:p>
-            <a:pPr lvl="0" indent="-342900" marL="342900">
-              <a:buAutoNum type="arabicPeriod"/>
-            </a:pPr>
-            <a:r>
-              <a:rPr/>
-              <a:t>Open it in </a:t>
-            </a:r>
-            <a:r>
-              <a:rPr>
-                <a:latin typeface="Courier"/>
-              </a:rPr>
-              <a:t>Zettlr</a:t>
-            </a:r>
-          </a:p>
-          <a:p>
-            <a:pPr lvl="0" indent="-342900" marL="342900">
-              <a:buAutoNum type="arabicPeriod"/>
-            </a:pPr>
-            <a:r>
-              <a:rPr/>
-              <a:t>Type in </a:t>
-            </a:r>
-            <a:r>
-              <a:rPr>
-                <a:latin typeface="Courier"/>
-              </a:rPr>
-              <a:t>@</a:t>
-            </a:r>
-            <a:r>
-              <a:rPr/>
-              <a:t> and select one of your refs.</a:t>
-            </a:r>
-          </a:p>
-          <a:p>
-            <a:pPr lvl="0" indent="0" marL="0">
-              <a:buNone/>
-            </a:pPr>
-            <a:r>
-              <a:rPr b="1"/>
-              <a:t>Example</a:t>
-            </a:r>
-            <a:r>
-              <a:rPr/>
-              <a:t> [@resnickLifelongKindergartenCultivating2017] and others emphasize the need to develop creativity in computing education.</a:t>
-            </a:r>
-          </a:p>
-          <a:p>
-            <a:pPr lvl="0" indent="0" marL="0">
-              <a:buNone/>
-            </a:pPr>
-            <a:r>
-              <a:rPr/>
-              <a:t>[@morPracticalDesignPatterns2014] have developed design patterns for implementing technology-enhanced pedagogy.</a:t>
-            </a:r>
-          </a:p>
-        </p:txBody>
-      </p:sp>
-    </p:spTree>
-  </p:cSld>
-</p:sld>
-</file>
-
 <file path=ppt/slides/slide23.xml><?xml version="1.0" encoding="utf-8"?>
 <p:sld xmlns:a="http://schemas.openxmlformats.org/drawingml/2006/main" xmlns:r="http://schemas.openxmlformats.org/officeDocument/2006/relationships" xmlns:p="http://schemas.openxmlformats.org/presentationml/2006/main">
   <p:cSld>
@@ -4887,8 +4656,163 @@
               <a:buNone/>
             </a:pPr>
             <a:r>
-              <a:rPr/>
-              <a:t>References</a:t>
+              <a:rPr b="1"/>
+              <a:t>Get</a:t>
+            </a:r>
+            <a:r>
+              <a:rPr/>
+              <a:t> phase: referencing with </a:t>
+            </a:r>
+            <a:r>
+              <a:rPr>
+                <a:latin typeface="Courier"/>
+              </a:rPr>
+              <a:t>Zotero</a:t>
+            </a:r>
+            <a:r>
+              <a:rPr/>
+              <a:t> and </a:t>
+            </a:r>
+            <a:r>
+              <a:rPr>
+                <a:latin typeface="Courier"/>
+              </a:rPr>
+              <a:t>Zettlr</a:t>
+            </a:r>
+          </a:p>
+        </p:txBody>
+      </p:sp>
+      <p:sp>
+        <p:nvSpPr>
+          <p:cNvPr id="3" name="Content Placeholder 2"/>
+          <p:cNvSpPr>
+            <a:spLocks noGrp="1"/>
+          </p:cNvSpPr>
+          <p:nvPr>
+            <p:ph idx="1"/>
+          </p:nvPr>
+        </p:nvSpPr>
+        <p:spPr/>
+        <p:txBody>
+          <a:bodyPr/>
+          <a:lstStyle/>
+          <a:p>
+            <a:pPr lvl="0" indent="-342900" marL="342900">
+              <a:buAutoNum type="arabicPeriod"/>
+            </a:pPr>
+            <a:r>
+              <a:rPr/>
+              <a:t>Install </a:t>
+            </a:r>
+            <a:r>
+              <a:rPr>
+                <a:latin typeface="Courier"/>
+              </a:rPr>
+              <a:t>Zotero</a:t>
+            </a:r>
+            <a:r>
+              <a:rPr/>
+              <a:t>. You will manage all your references from here.</a:t>
+            </a:r>
+          </a:p>
+          <a:p>
+            <a:pPr lvl="0" indent="-342900" marL="342900">
+              <a:buAutoNum type="arabicPeriod"/>
+            </a:pPr>
+            <a:r>
+              <a:rPr/>
+              <a:t>Install the </a:t>
+            </a:r>
+            <a:r>
+              <a:rPr>
+                <a:latin typeface="Courier"/>
+              </a:rPr>
+              <a:t>BetterBibTeX</a:t>
+            </a:r>
+            <a:r>
+              <a:rPr/>
+              <a:t> plugin for </a:t>
+            </a:r>
+            <a:r>
+              <a:rPr>
+                <a:latin typeface="Courier"/>
+              </a:rPr>
+              <a:t>Zotero</a:t>
+            </a:r>
+          </a:p>
+          <a:p>
+            <a:pPr lvl="0" indent="-342900" marL="342900">
+              <a:buAutoNum type="arabicPeriod"/>
+            </a:pPr>
+            <a:r>
+              <a:rPr/>
+              <a:t>Export your </a:t>
+            </a:r>
+            <a:r>
+              <a:rPr>
+                <a:latin typeface="Courier"/>
+              </a:rPr>
+              <a:t>Zotero</a:t>
+            </a:r>
+            <a:r>
+              <a:rPr/>
+              <a:t> library</a:t>
+            </a:r>
+          </a:p>
+          <a:p>
+            <a:pPr lvl="0" indent="-342900" marL="342900">
+              <a:buAutoNum type="arabicPeriod"/>
+            </a:pPr>
+            <a:r>
+              <a:rPr/>
+              <a:t>Open it in </a:t>
+            </a:r>
+            <a:r>
+              <a:rPr>
+                <a:latin typeface="Courier"/>
+              </a:rPr>
+              <a:t>Zettlr</a:t>
+            </a:r>
+          </a:p>
+          <a:p>
+            <a:pPr lvl="0" indent="-342900" marL="342900">
+              <a:buAutoNum type="arabicPeriod"/>
+            </a:pPr>
+            <a:r>
+              <a:rPr/>
+              <a:t>Type in </a:t>
+            </a:r>
+            <a:r>
+              <a:rPr>
+                <a:latin typeface="Courier"/>
+              </a:rPr>
+              <a:t>@</a:t>
+            </a:r>
+            <a:r>
+              <a:rPr/>
+              <a:t> and select one of your refs.</a:t>
+            </a:r>
+          </a:p>
+          <a:p>
+            <a:pPr lvl="0" indent="0" marL="0">
+              <a:buNone/>
+            </a:pPr>
+            <a:r>
+              <a:rPr b="1"/>
+              <a:t>Example</a:t>
+            </a:r>
+            <a:r>
+              <a:rPr/>
+              <a:t> [@resnickLifelongKindergartenCultivating2017] and others emphasize the need to develop creativity in computing education.</a:t>
+            </a:r>
+          </a:p>
+          <a:p>
+            <a:pPr lvl="0" indent="0" marL="0">
+              <a:buNone/>
+            </a:pPr>
+            <a:r>
+              <a:rPr/>
+              <a:t>[@morPracticalDesignPatterns2014] have developed design patterns for implementing technology-enhanced pedagogy.</a:t>
             </a:r>
           </a:p>
         </p:txBody>
@@ -4935,50 +4859,7 @@
             </a:pPr>
             <a:r>
               <a:rPr/>
-              <a:t>Zettelkasten in </a:t>
-            </a:r>
-            <a:r>
-              <a:rPr>
-                <a:latin typeface="Courier"/>
-              </a:rPr>
-              <a:t>Zettlr</a:t>
-            </a:r>
-          </a:p>
-        </p:txBody>
-      </p:sp>
-      <p:sp>
-        <p:nvSpPr>
-          <p:cNvPr id="3" name="Content Placeholder 2"/>
-          <p:cNvSpPr>
-            <a:spLocks noGrp="1"/>
-          </p:cNvSpPr>
-          <p:nvPr>
-            <p:ph idx="1"/>
-          </p:nvPr>
-        </p:nvSpPr>
-        <p:spPr/>
-        <p:txBody>
-          <a:bodyPr/>
-          <a:lstStyle/>
-          <a:p>
-            <a:pPr lvl="0"/>
-            <a:r>
-              <a:rPr/>
-              <a:t>Use #tags.</a:t>
-            </a:r>
-          </a:p>
-          <a:p>
-            <a:pPr lvl="0"/>
-            <a:r>
-              <a:rPr/>
-              <a:t>Link to other files, such as in [[about_tags]].</a:t>
-            </a:r>
-          </a:p>
-          <a:p>
-            <a:pPr lvl="0"/>
-            <a:r>
-              <a:rPr/>
-              <a:t>Give unique IDs to files such as [[20231216180452]] Another file</a:t>
+              <a:t>References</a:t>
             </a:r>
           </a:p>
         </p:txBody>
@@ -5024,8 +4905,124 @@
               <a:buNone/>
             </a:pPr>
             <a:r>
-              <a:rPr/>
-              <a:t>Graph view:</a:t>
+              <a:rPr b="1"/>
+              <a:t>Understand</a:t>
+            </a:r>
+            <a:r>
+              <a:rPr/>
+              <a:t> phase: Zettelkasten in </a:t>
+            </a:r>
+            <a:r>
+              <a:rPr>
+                <a:latin typeface="Courier"/>
+              </a:rPr>
+              <a:t>Zettlr</a:t>
+            </a:r>
+          </a:p>
+        </p:txBody>
+      </p:sp>
+      <p:sp>
+        <p:nvSpPr>
+          <p:cNvPr id="3" name="Content Placeholder 2"/>
+          <p:cNvSpPr>
+            <a:spLocks noGrp="1"/>
+          </p:cNvSpPr>
+          <p:nvPr>
+            <p:ph idx="1"/>
+          </p:nvPr>
+        </p:nvSpPr>
+        <p:spPr/>
+        <p:txBody>
+          <a:bodyPr/>
+          <a:lstStyle/>
+          <a:p>
+            <a:pPr lvl="0" indent="0" marL="0">
+              <a:buNone/>
+            </a:pPr>
+            <a:r>
+              <a:rPr/>
+              <a:t>A methodology to make sense of your notes.</a:t>
+            </a:r>
+          </a:p>
+          <a:p>
+            <a:pPr lvl="0" indent="0" marL="0">
+              <a:buNone/>
+            </a:pPr>
+            <a:r>
+              <a:rPr/>
+              <a:t>Some insights:</a:t>
+            </a:r>
+          </a:p>
+          <a:p>
+            <a:pPr lvl="0"/>
+            <a:r>
+              <a:rPr/>
+              <a:t>Use #tags.</a:t>
+            </a:r>
+          </a:p>
+          <a:p>
+            <a:pPr lvl="0"/>
+            <a:r>
+              <a:rPr/>
+              <a:t>Link to other files, such as in [[about_tags]].</a:t>
+            </a:r>
+          </a:p>
+          <a:p>
+            <a:pPr lvl="0"/>
+            <a:r>
+              <a:rPr/>
+              <a:t>Give unique IDs to files such as [[20231216180452]] Another file</a:t>
+            </a:r>
+          </a:p>
+        </p:txBody>
+      </p:sp>
+    </p:spTree>
+  </p:cSld>
+</p:sld>
+</file>
+
+<file path=ppt/slides/slide26.xml><?xml version="1.0" encoding="utf-8"?>
+<p:sld xmlns:a="http://schemas.openxmlformats.org/drawingml/2006/main" xmlns:r="http://schemas.openxmlformats.org/officeDocument/2006/relationships" xmlns:p="http://schemas.openxmlformats.org/presentationml/2006/main">
+  <p:cSld>
+    <p:spTree>
+      <p:nvGrpSpPr>
+        <p:cNvPr id="1" name=""/>
+        <p:cNvGrpSpPr/>
+        <p:nvPr/>
+      </p:nvGrpSpPr>
+      <p:grpSpPr>
+        <a:xfrm>
+          <a:off x="0" y="0"/>
+          <a:ext cx="0" cy="0"/>
+          <a:chOff x="0" y="0"/>
+          <a:chExt cx="0" cy="0"/>
+        </a:xfrm>
+      </p:grpSpPr>
+      <p:sp>
+        <p:nvSpPr>
+          <p:cNvPr id="2" name="Title 1"/>
+          <p:cNvSpPr>
+            <a:spLocks noGrp="1"/>
+          </p:cNvSpPr>
+          <p:nvPr>
+            <p:ph type="title"/>
+          </p:nvPr>
+        </p:nvSpPr>
+        <p:spPr/>
+        <p:txBody>
+          <a:bodyPr/>
+          <a:lstStyle/>
+          <a:p>
+            <a:pPr lvl="0" indent="0" marL="0">
+              <a:buNone/>
+            </a:pPr>
+            <a:r>
+              <a:rPr b="1"/>
+              <a:t>Understand</a:t>
+            </a:r>
+            <a:r>
+              <a:rPr/>
+              <a:t> phase: the Graph view:</a:t>
             </a:r>
           </a:p>
         </p:txBody>
@@ -5065,198 +5062,6 @@
 </p:sld>
 </file>
 
-<file path=ppt/slides/slide26.xml><?xml version="1.0" encoding="utf-8"?>
-<p:sld xmlns:a="http://schemas.openxmlformats.org/drawingml/2006/main" xmlns:r="http://schemas.openxmlformats.org/officeDocument/2006/relationships" xmlns:p="http://schemas.openxmlformats.org/presentationml/2006/main">
-  <p:cSld>
-    <p:spTree>
-      <p:nvGrpSpPr>
-        <p:cNvPr id="1" name=""/>
-        <p:cNvGrpSpPr/>
-        <p:nvPr/>
-      </p:nvGrpSpPr>
-      <p:grpSpPr>
-        <a:xfrm>
-          <a:off x="0" y="0"/>
-          <a:ext cx="0" cy="0"/>
-          <a:chOff x="0" y="0"/>
-          <a:chExt cx="0" cy="0"/>
-        </a:xfrm>
-      </p:grpSpPr>
-      <p:sp>
-        <p:nvSpPr>
-          <p:cNvPr id="2" name="Title 1"/>
-          <p:cNvSpPr>
-            <a:spLocks noGrp="1"/>
-          </p:cNvSpPr>
-          <p:nvPr>
-            <p:ph type="title"/>
-          </p:nvPr>
-        </p:nvSpPr>
-        <p:spPr/>
-        <p:txBody>
-          <a:bodyPr/>
-          <a:lstStyle/>
-          <a:p>
-            <a:pPr lvl="0" indent="0" marL="0">
-              <a:buNone/>
-            </a:pPr>
-            <a:r>
-              <a:rPr/>
-              <a:t>Extending export capabilities</a:t>
-            </a:r>
-          </a:p>
-        </p:txBody>
-      </p:sp>
-      <p:sp>
-        <p:nvSpPr>
-          <p:cNvPr id="3" name="Content Placeholder 2"/>
-          <p:cNvSpPr>
-            <a:spLocks noGrp="1"/>
-          </p:cNvSpPr>
-          <p:nvPr>
-            <p:ph idx="1"/>
-          </p:nvPr>
-        </p:nvSpPr>
-        <p:spPr/>
-        <p:txBody>
-          <a:bodyPr/>
-          <a:lstStyle/>
-          <a:p>
-            <a:pPr lvl="0"/>
-            <a:r>
-              <a:rPr/>
-              <a:t>Change how things look</a:t>
-            </a:r>
-          </a:p>
-          <a:p>
-            <a:pPr lvl="0"/>
-            <a:r>
-              <a:rPr/>
-              <a:t>Add new export possibilities thanks to </a:t>
-            </a:r>
-            <a:r>
-              <a:rPr>
-                <a:latin typeface="Courier"/>
-              </a:rPr>
-              <a:t>Pandoc</a:t>
-            </a:r>
-          </a:p>
-          <a:p>
-            <a:pPr lvl="0" indent="0" marL="0">
-              <a:buNone/>
-            </a:pPr>
-            <a:r>
-              <a:rPr/>
-              <a:t>We will use the Assets dialog: File &gt; Preferences &gt; Manage assets</a:t>
-            </a:r>
-          </a:p>
-          <a:p>
-            <a:pPr lvl="0" indent="0" marL="0">
-              <a:buNone/>
-            </a:pPr>
-            <a:r>
-              <a:rPr b="1"/>
-              <a:t>Challenge 1: use custom </a:t>
-            </a:r>
-            <a:r>
-              <a:rPr b="1">
-                <a:latin typeface="Courier"/>
-              </a:rPr>
-              <a:t>CSS</a:t>
-            </a:r>
-            <a:r>
-              <a:rPr b="1"/>
-              <a:t> to style </a:t>
-            </a:r>
-            <a:r>
-              <a:rPr b="1">
-                <a:latin typeface="Courier"/>
-              </a:rPr>
-              <a:t>HTML</a:t>
-            </a:r>
-            <a:r>
-              <a:rPr b="1"/>
-              <a:t> output</a:t>
-            </a:r>
-          </a:p>
-          <a:p>
-            <a:pPr lvl="0"/>
-            <a:r>
-              <a:rPr/>
-              <a:t>The given file is </a:t>
-            </a:r>
-            <a:r>
-              <a:rPr>
-                <a:latin typeface="Courier"/>
-              </a:rPr>
-              <a:t>custom.css</a:t>
-            </a:r>
-            <a:r>
-              <a:rPr/>
-              <a:t>.</a:t>
-            </a:r>
-          </a:p>
-          <a:p>
-            <a:pPr lvl="0"/>
-            <a:r>
-              <a:rPr/>
-              <a:t>Select the </a:t>
-            </a:r>
-            <a:r>
-              <a:rPr>
-                <a:latin typeface="Courier"/>
-              </a:rPr>
-              <a:t>HTML</a:t>
-            </a:r>
-            <a:r>
-              <a:rPr/>
-              <a:t> profile. On line 46, add </a:t>
-            </a:r>
-            <a:r>
-              <a:rPr>
-                <a:latin typeface="Courier"/>
-              </a:rPr>
-              <a:t>custom.css</a:t>
-            </a:r>
-            <a:r>
-              <a:rPr/>
-              <a:t> between the brackets.</a:t>
-            </a:r>
-          </a:p>
-          <a:p>
-            <a:pPr lvl="0"/>
-            <a:r>
-              <a:rPr/>
-              <a:t>You can also add </a:t>
-            </a:r>
-            <a:r>
-              <a:rPr>
-                <a:latin typeface="Courier"/>
-              </a:rPr>
-              <a:t>css: custom.css</a:t>
-            </a:r>
-            <a:r>
-              <a:rPr/>
-              <a:t> to the YAML on each file you want to export with </a:t>
-            </a:r>
-            <a:r>
-              <a:rPr>
-                <a:latin typeface="Courier"/>
-              </a:rPr>
-              <a:t>custom.css</a:t>
-            </a:r>
-            <a:r>
-              <a:rPr/>
-              <a:t>.</a:t>
-            </a:r>
-          </a:p>
-        </p:txBody>
-      </p:sp>
-    </p:spTree>
-  </p:cSld>
-</p:sld>
-</file>
-
 <file path=ppt/slides/slide27.xml><?xml version="1.0" encoding="utf-8"?>
 <p:sld xmlns:a="http://schemas.openxmlformats.org/drawingml/2006/main" xmlns:r="http://schemas.openxmlformats.org/officeDocument/2006/relationships" xmlns:p="http://schemas.openxmlformats.org/presentationml/2006/main">
   <p:cSld>
@@ -5293,8 +5098,208 @@
               <a:buNone/>
             </a:pPr>
             <a:r>
-              <a:rPr/>
-              <a:t>Extending export capabilities (cont’d)</a:t>
+              <a:rPr b="1"/>
+              <a:t>Share</a:t>
+            </a:r>
+            <a:r>
+              <a:rPr/>
+              <a:t> phase: extending export capabilities</a:t>
+            </a:r>
+          </a:p>
+        </p:txBody>
+      </p:sp>
+      <p:sp>
+        <p:nvSpPr>
+          <p:cNvPr id="3" name="Content Placeholder 2"/>
+          <p:cNvSpPr>
+            <a:spLocks noGrp="1"/>
+          </p:cNvSpPr>
+          <p:nvPr>
+            <p:ph idx="1"/>
+          </p:nvPr>
+        </p:nvSpPr>
+        <p:spPr/>
+        <p:txBody>
+          <a:bodyPr/>
+          <a:lstStyle/>
+          <a:p>
+            <a:pPr lvl="0"/>
+            <a:r>
+              <a:rPr/>
+              <a:t>Change how things look</a:t>
+            </a:r>
+          </a:p>
+          <a:p>
+            <a:pPr lvl="0"/>
+            <a:r>
+              <a:rPr/>
+              <a:t>Add new export possibilities thanks to </a:t>
+            </a:r>
+            <a:r>
+              <a:rPr>
+                <a:latin typeface="Courier"/>
+              </a:rPr>
+              <a:t>Pandoc</a:t>
+            </a:r>
+          </a:p>
+          <a:p>
+            <a:pPr lvl="0" indent="0" marL="0">
+              <a:buNone/>
+            </a:pPr>
+            <a:r>
+              <a:rPr/>
+              <a:t>We will use the Assets dialog: File &gt; Preferences &gt; Manage assets</a:t>
+            </a:r>
+          </a:p>
+          <a:p>
+            <a:pPr lvl="0" indent="0" marL="0">
+              <a:buNone/>
+            </a:pPr>
+            <a:r>
+              <a:rPr b="1"/>
+              <a:t>Challenge 1: use custom </a:t>
+            </a:r>
+            <a:r>
+              <a:rPr b="1">
+                <a:latin typeface="Courier"/>
+              </a:rPr>
+              <a:t>CSS</a:t>
+            </a:r>
+            <a:r>
+              <a:rPr b="1"/>
+              <a:t> to style </a:t>
+            </a:r>
+            <a:r>
+              <a:rPr b="1">
+                <a:latin typeface="Courier"/>
+              </a:rPr>
+              <a:t>HTML</a:t>
+            </a:r>
+            <a:r>
+              <a:rPr b="1"/>
+              <a:t> output</a:t>
+            </a:r>
+          </a:p>
+          <a:p>
+            <a:pPr lvl="0"/>
+            <a:r>
+              <a:rPr/>
+              <a:t>The given file is </a:t>
+            </a:r>
+            <a:r>
+              <a:rPr>
+                <a:latin typeface="Courier"/>
+              </a:rPr>
+              <a:t>custom.css</a:t>
+            </a:r>
+            <a:r>
+              <a:rPr/>
+              <a:t>.</a:t>
+            </a:r>
+          </a:p>
+          <a:p>
+            <a:pPr lvl="0"/>
+            <a:r>
+              <a:rPr/>
+              <a:t>Select the </a:t>
+            </a:r>
+            <a:r>
+              <a:rPr>
+                <a:latin typeface="Courier"/>
+              </a:rPr>
+              <a:t>HTML</a:t>
+            </a:r>
+            <a:r>
+              <a:rPr/>
+              <a:t> profile. On line 46, add </a:t>
+            </a:r>
+            <a:r>
+              <a:rPr>
+                <a:latin typeface="Courier"/>
+              </a:rPr>
+              <a:t>custom.css</a:t>
+            </a:r>
+            <a:r>
+              <a:rPr/>
+              <a:t> between the brackets.</a:t>
+            </a:r>
+          </a:p>
+          <a:p>
+            <a:pPr lvl="0"/>
+            <a:r>
+              <a:rPr/>
+              <a:t>You can also add </a:t>
+            </a:r>
+            <a:r>
+              <a:rPr>
+                <a:latin typeface="Courier"/>
+              </a:rPr>
+              <a:t>css: custom.css</a:t>
+            </a:r>
+            <a:r>
+              <a:rPr/>
+              <a:t> to the YAML on each file you want to export with </a:t>
+            </a:r>
+            <a:r>
+              <a:rPr>
+                <a:latin typeface="Courier"/>
+              </a:rPr>
+              <a:t>custom.css</a:t>
+            </a:r>
+            <a:r>
+              <a:rPr/>
+              <a:t>.</a:t>
+            </a:r>
+          </a:p>
+        </p:txBody>
+      </p:sp>
+    </p:spTree>
+  </p:cSld>
+</p:sld>
+</file>
+
+<file path=ppt/slides/slide28.xml><?xml version="1.0" encoding="utf-8"?>
+<p:sld xmlns:a="http://schemas.openxmlformats.org/drawingml/2006/main" xmlns:r="http://schemas.openxmlformats.org/officeDocument/2006/relationships" xmlns:p="http://schemas.openxmlformats.org/presentationml/2006/main">
+  <p:cSld>
+    <p:spTree>
+      <p:nvGrpSpPr>
+        <p:cNvPr id="1" name=""/>
+        <p:cNvGrpSpPr/>
+        <p:nvPr/>
+      </p:nvGrpSpPr>
+      <p:grpSpPr>
+        <a:xfrm>
+          <a:off x="0" y="0"/>
+          <a:ext cx="0" cy="0"/>
+          <a:chOff x="0" y="0"/>
+          <a:chExt cx="0" cy="0"/>
+        </a:xfrm>
+      </p:grpSpPr>
+      <p:sp>
+        <p:nvSpPr>
+          <p:cNvPr id="2" name="Title 1"/>
+          <p:cNvSpPr>
+            <a:spLocks noGrp="1"/>
+          </p:cNvSpPr>
+          <p:nvPr>
+            <p:ph type="title"/>
+          </p:nvPr>
+        </p:nvSpPr>
+        <p:spPr/>
+        <p:txBody>
+          <a:bodyPr/>
+          <a:lstStyle/>
+          <a:p>
+            <a:pPr lvl="0" indent="0" marL="0">
+              <a:buNone/>
+            </a:pPr>
+            <a:r>
+              <a:rPr b="1"/>
+              <a:t>Share</a:t>
+            </a:r>
+            <a:r>
+              <a:rPr/>
+              <a:t> phase: extending export capabilities (cont’d)</a:t>
             </a:r>
           </a:p>
         </p:txBody>
@@ -5509,6 +5514,58 @@
             <a:r>
               <a:rPr/>
               <a:t>, modify the styles.</a:t>
+            </a:r>
+          </a:p>
+        </p:txBody>
+      </p:sp>
+    </p:spTree>
+  </p:cSld>
+</p:sld>
+</file>
+
+<file path=ppt/slides/slide29.xml><?xml version="1.0" encoding="utf-8"?>
+<p:sld xmlns:a="http://schemas.openxmlformats.org/drawingml/2006/main" xmlns:r="http://schemas.openxmlformats.org/officeDocument/2006/relationships" xmlns:p="http://schemas.openxmlformats.org/presentationml/2006/main">
+  <p:cSld>
+    <p:spTree>
+      <p:nvGrpSpPr>
+        <p:cNvPr id="1" name=""/>
+        <p:cNvGrpSpPr/>
+        <p:nvPr/>
+      </p:nvGrpSpPr>
+      <p:grpSpPr>
+        <a:xfrm>
+          <a:off x="0" y="0"/>
+          <a:ext cx="0" cy="0"/>
+          <a:chOff x="0" y="0"/>
+          <a:chExt cx="0" cy="0"/>
+        </a:xfrm>
+      </p:grpSpPr>
+      <p:sp>
+        <p:nvSpPr>
+          <p:cNvPr id="2" name="Title 1"/>
+          <p:cNvSpPr>
+            <a:spLocks noGrp="1"/>
+          </p:cNvSpPr>
+          <p:nvPr>
+            <p:ph type="title"/>
+          </p:nvPr>
+        </p:nvSpPr>
+        <p:spPr>
+          <a:xfrm>
+            <a:off x="722313" y="3305176"/>
+            <a:ext cx="7772400" cy="1021556"/>
+          </a:xfrm>
+        </p:spPr>
+        <p:txBody>
+          <a:bodyPr/>
+          <a:lstStyle/>
+          <a:p>
+            <a:pPr lvl="0" indent="0" marL="0">
+              <a:buNone/>
+            </a:pPr>
+            <a:r>
+              <a:rPr/>
+              <a:t>Thank you!</a:t>
             </a:r>
           </a:p>
         </p:txBody>
@@ -5626,7 +5683,7 @@
             </a:r>
             <a:r>
               <a:rPr/>
-              <a:t> can help with this process</a:t>
+              <a:t> can help with the PKM process</a:t>
             </a:r>
           </a:p>
         </p:txBody>
@@ -5790,7 +5847,7 @@
             </a:pPr>
             <a:r>
               <a:rPr/>
-              <a:t>Why?</a:t>
+              <a:t>Basics</a:t>
             </a:r>
           </a:p>
         </p:txBody>
@@ -6029,7 +6086,7 @@
             </a:pPr>
             <a:r>
               <a:rPr/>
-              <a:t>Key skills in PKM</a:t>
+              <a:t>A plethora of tools</a:t>
             </a:r>
           </a:p>
         </p:txBody>
@@ -6049,38 +6106,126 @@
           <a:bodyPr/>
           <a:lstStyle/>
           <a:p>
-            <a:pPr lvl="0"/>
-            <a:r>
-              <a:rPr/>
-              <a:t>Management</a:t>
-            </a:r>
-          </a:p>
-          <a:p>
-            <a:pPr lvl="0"/>
-            <a:r>
-              <a:rPr/>
-              <a:t>Lifelong learning</a:t>
-            </a:r>
-          </a:p>
-          <a:p>
-            <a:pPr lvl="0"/>
-            <a:r>
-              <a:rPr/>
-              <a:t>Communication and interpersonal skills</a:t>
-            </a:r>
-          </a:p>
-          <a:p>
-            <a:pPr lvl="0"/>
-            <a:r>
-              <a:rPr/>
-              <a:t>Technological fluency</a:t>
-            </a:r>
-          </a:p>
-          <a:p>
-            <a:pPr lvl="0"/>
-            <a:r>
-              <a:rPr/>
-              <a:t>Forecasting and anticipating</a:t>
+            <a:pPr lvl="0" indent="0" marL="0">
+              <a:buNone/>
+            </a:pPr>
+            <a:r>
+              <a:rPr>
+                <a:latin typeface="Courier"/>
+              </a:rPr>
+              <a:t>Notion</a:t>
+            </a:r>
+            <a:r>
+              <a:rPr/>
+              <a:t>, </a:t>
+            </a:r>
+            <a:r>
+              <a:rPr>
+                <a:latin typeface="Courier"/>
+              </a:rPr>
+              <a:t>Roam</a:t>
+            </a:r>
+            <a:r>
+              <a:rPr/>
+              <a:t>, </a:t>
+            </a:r>
+            <a:r>
+              <a:rPr>
+                <a:latin typeface="Courier"/>
+              </a:rPr>
+              <a:t>Tana</a:t>
+            </a:r>
+            <a:r>
+              <a:rPr/>
+              <a:t>, </a:t>
+            </a:r>
+            <a:r>
+              <a:rPr>
+                <a:latin typeface="Courier"/>
+              </a:rPr>
+              <a:t>Obsidian</a:t>
+            </a:r>
+            <a:r>
+              <a:rPr/>
+              <a:t>, </a:t>
+            </a:r>
+            <a:r>
+              <a:rPr>
+                <a:latin typeface="Courier"/>
+              </a:rPr>
+              <a:t>Logseq</a:t>
+            </a:r>
+            <a:r>
+              <a:rPr/>
+              <a:t>, </a:t>
+            </a:r>
+            <a:r>
+              <a:rPr>
+                <a:latin typeface="Courier"/>
+              </a:rPr>
+              <a:t>AnyType</a:t>
+            </a:r>
+            <a:r>
+              <a:rPr/>
+              <a:t>, </a:t>
+            </a:r>
+            <a:r>
+              <a:rPr>
+                <a:latin typeface="Courier"/>
+              </a:rPr>
+              <a:t>Affine</a:t>
+            </a:r>
+            <a:r>
+              <a:rPr/>
+              <a:t>, </a:t>
+            </a:r>
+            <a:r>
+              <a:rPr>
+                <a:latin typeface="Courier"/>
+              </a:rPr>
+              <a:t>TiddlyWiki</a:t>
+            </a:r>
+            <a:r>
+              <a:rPr/>
+              <a:t>, </a:t>
+            </a:r>
+            <a:r>
+              <a:rPr>
+                <a:latin typeface="Courier"/>
+              </a:rPr>
+              <a:t>Zettlr</a:t>
+            </a:r>
+            <a:r>
+              <a:rPr/>
+              <a:t>…</a:t>
+            </a:r>
+          </a:p>
+          <a:p>
+            <a:pPr lvl="0"/>
+            <a:r>
+              <a:rPr/>
+              <a:t>Local vs Web-aware vs Web-based</a:t>
+            </a:r>
+          </a:p>
+          <a:p>
+            <a:pPr lvl="0"/>
+            <a:r>
+              <a:rPr/>
+              <a:t>FOSS vs Freeware vs Paid</a:t>
+            </a:r>
+          </a:p>
+          <a:p>
+            <a:pPr lvl="0"/>
+            <a:r>
+              <a:rPr/>
+              <a:t>Specific ↔ Extensible ↔ Malleable</a:t>
+            </a:r>
+          </a:p>
+          <a:p>
+            <a:pPr lvl="0"/>
+            <a:r>
+              <a:rPr/>
+              <a:t>User-friendly?</a:t>
             </a:r>
           </a:p>
         </p:txBody>
@@ -6127,7 +6272,7 @@
             </a:pPr>
             <a:r>
               <a:rPr/>
-              <a:t>Key skills in PKM (cont’d)</a:t>
+              <a:t>Advantages of plain text editing</a:t>
             </a:r>
           </a:p>
         </p:txBody>
@@ -6150,28 +6295,36 @@
             <a:pPr lvl="0"/>
             <a:r>
               <a:rPr/>
-              <a:t>Use frameworks, models and conceptual tools to build upon your current KM practices.</a:t>
-            </a:r>
-          </a:p>
-          <a:p>
-            <a:pPr lvl="0"/>
-            <a:r>
-              <a:rPr/>
-              <a:t>Implement PKM strategies using digital technologies.</a:t>
-            </a:r>
-          </a:p>
-          <a:p>
-            <a:pPr lvl="0"/>
-            <a:r>
-              <a:rPr/>
-              <a:t>PKM practices are ultimately personal and evolving constructs.</a:t>
-            </a:r>
-          </a:p>
-          <a:p>
-            <a:pPr lvl="0"/>
-            <a:r>
-              <a:rPr/>
-              <a:t>Reflect about the process, iterate, exchange with others</a:t>
+              <a:t>Lightweight: you can work with just a simple text editor. You can store your files anywhere.</a:t>
+            </a:r>
+          </a:p>
+          <a:p>
+            <a:pPr lvl="0"/>
+            <a:r>
+              <a:rPr/>
+              <a:t>Easily readable and writable: a whole range of apps work with plain text. It is also easy to manipulate programmatically.</a:t>
+            </a:r>
+          </a:p>
+          <a:p>
+            <a:pPr lvl="0"/>
+            <a:r>
+              <a:rPr/>
+              <a:t>No lock-in: you can use your text files in different apps for different purposes. You can switch to a new app that better fits your needs seamlessly.</a:t>
+            </a:r>
+          </a:p>
+          <a:p>
+            <a:pPr lvl="0"/>
+            <a:r>
+              <a:rPr/>
+              <a:t>Teaches you about computing and the </a:t>
+            </a:r>
+            <a:r>
+              <a:rPr i="1"/>
+              <a:t>hacker mindset</a:t>
+            </a:r>
+            <a:r>
+              <a:rPr/>
+              <a:t> in a hands-on way.</a:t>
             </a:r>
           </a:p>
         </p:txBody>

--- a/workshop/markdown/index.pptx
+++ b/workshop/markdown/index.pptx
@@ -3608,7 +3608,7 @@
               <a:rPr>
                 <a:latin typeface="Courier"/>
               </a:rPr>
-              <a:t>![cute_cat.png](image)</a:t>
+              <a:t>![image](cat.png)</a:t>
             </a:r>
           </a:p>
           <a:p>
@@ -5666,7 +5666,7 @@
             <a:pPr lvl="0"/>
             <a:r>
               <a:rPr/>
-              <a:t>Start to elaborate personal PKM practices</a:t>
+              <a:t>Start to elaborate personal KM practices</a:t>
             </a:r>
           </a:p>
           <a:p>

--- a/workshop/markdown/index.pptx
+++ b/workshop/markdown/index.pptx
@@ -3186,6 +3186,31 @@
             <a:r>
               <a:rPr/>
               <a:t>Alan CASTELLINO (author), Benjamin ABEL (facilitator)</a:t>
+            </a:r>
+          </a:p>
+        </p:txBody>
+      </p:sp>
+      <p:sp>
+        <p:nvSpPr>
+          <p:cNvPr id="4" name="Date Placeholder 3"/>
+          <p:cNvSpPr>
+            <a:spLocks noGrp="1"/>
+          </p:cNvSpPr>
+          <p:nvPr>
+            <p:ph idx="10" sz="half" type="dt"/>
+          </p:nvPr>
+        </p:nvSpPr>
+        <p:spPr/>
+        <p:txBody>
+          <a:bodyPr/>
+          <a:lstStyle/>
+          <a:p>
+            <a:pPr lvl="0" indent="0" marL="0">
+              <a:buNone/>
+            </a:pPr>
+            <a:r>
+              <a:rPr/>
+              <a:t>2024-04-11</a:t>
             </a:r>
           </a:p>
         </p:txBody>
